--- a/Java Урок 1 Змінні.pptx
+++ b/Java Урок 1 Змінні.pptx
@@ -4446,7 +4446,7 @@
         </p:blipFill>
         <p:spPr>
           <a:xfrm>
-            <a:off x="1681801" y="1352010"/>
+            <a:off x="1681801" y="1257742"/>
             <a:ext cx="8828398" cy="5063346"/>
           </a:xfrm>
           <a:prstGeom prst="rect">

--- a/Java Урок 1 Змінні.pptx
+++ b/Java Урок 1 Змінні.pptx
@@ -14,6 +14,9 @@
     <p:sldId id="271" r:id="rId8"/>
     <p:sldId id="273" r:id="rId9"/>
     <p:sldId id="272" r:id="rId10"/>
+    <p:sldId id="274" r:id="rId11"/>
+    <p:sldId id="275" r:id="rId12"/>
+    <p:sldId id="276" r:id="rId13"/>
   </p:sldIdLst>
   <p:sldSz cx="12192000" cy="6858000"/>
   <p:notesSz cx="6858000" cy="9144000"/>
@@ -120,6 +123,32 @@
 </p:presentation>
 </file>
 
+<file path=ppt/commentAuthors.xml><?xml version="1.0" encoding="utf-8"?>
+<p:cmAuthorLst xmlns:a="http://schemas.openxmlformats.org/drawingml/2006/main" xmlns:r="http://schemas.openxmlformats.org/officeDocument/2006/relationships" xmlns:p="http://schemas.openxmlformats.org/presentationml/2006/main">
+  <p:cmAuthor id="1" name="Шейко Ростислав Олександрович" initials="ШРО" lastIdx="1" clrIdx="0">
+    <p:extLst>
+      <p:ext uri="{19B8F6BF-5375-455C-9EA6-DF929625EA0E}">
+        <p15:presenceInfo xmlns:p15="http://schemas.microsoft.com/office/powerpoint/2012/main" userId="Шейко Ростислав Олександрович" providerId="None"/>
+      </p:ext>
+    </p:extLst>
+  </p:cmAuthor>
+</p:cmAuthorLst>
+</file>
+
+<file path=ppt/comments/comment1.xml><?xml version="1.0" encoding="utf-8"?>
+<p:cmLst xmlns:a="http://schemas.openxmlformats.org/drawingml/2006/main" xmlns:r="http://schemas.openxmlformats.org/officeDocument/2006/relationships" xmlns:p="http://schemas.openxmlformats.org/presentationml/2006/main">
+  <p:cm authorId="1" dt="2023-10-19T15:31:18.819" idx="1">
+    <p:pos x="10" y="10"/>
+    <p:text/>
+    <p:extLst>
+      <p:ext uri="{C676402C-5697-4E1C-873F-D02D1690AC5C}">
+        <p15:threadingInfo xmlns:p15="http://schemas.microsoft.com/office/powerpoint/2012/main" timeZoneBias="-180"/>
+      </p:ext>
+    </p:extLst>
+  </p:cm>
+</p:cmLst>
+</file>
+
 <file path=ppt/slideLayouts/slideLayout1.xml><?xml version="1.0" encoding="utf-8"?>
 <p:sldLayout xmlns:a="http://schemas.openxmlformats.org/drawingml/2006/main" xmlns:r="http://schemas.openxmlformats.org/officeDocument/2006/relationships" xmlns:p="http://schemas.openxmlformats.org/presentationml/2006/main" type="title" preserve="1">
   <p:cSld name="Титульный слайд">
@@ -269,7 +298,7 @@
           <a:p>
             <a:fld id="{6113F138-7681-4725-9E20-940499728D31}" type="datetimeFigureOut">
               <a:rPr lang="uk-UA" smtClean="0"/>
-              <a:t>11.10.2023</a:t>
+              <a:t>19.10.2023</a:t>
             </a:fld>
             <a:endParaRPr lang="uk-UA"/>
           </a:p>
@@ -469,7 +498,7 @@
           <a:p>
             <a:fld id="{6113F138-7681-4725-9E20-940499728D31}" type="datetimeFigureOut">
               <a:rPr lang="uk-UA" smtClean="0"/>
-              <a:t>11.10.2023</a:t>
+              <a:t>19.10.2023</a:t>
             </a:fld>
             <a:endParaRPr lang="uk-UA"/>
           </a:p>
@@ -679,7 +708,7 @@
           <a:p>
             <a:fld id="{6113F138-7681-4725-9E20-940499728D31}" type="datetimeFigureOut">
               <a:rPr lang="uk-UA" smtClean="0"/>
-              <a:t>11.10.2023</a:t>
+              <a:t>19.10.2023</a:t>
             </a:fld>
             <a:endParaRPr lang="uk-UA"/>
           </a:p>
@@ -879,7 +908,7 @@
           <a:p>
             <a:fld id="{6113F138-7681-4725-9E20-940499728D31}" type="datetimeFigureOut">
               <a:rPr lang="uk-UA" smtClean="0"/>
-              <a:t>11.10.2023</a:t>
+              <a:t>19.10.2023</a:t>
             </a:fld>
             <a:endParaRPr lang="uk-UA"/>
           </a:p>
@@ -1155,7 +1184,7 @@
           <a:p>
             <a:fld id="{6113F138-7681-4725-9E20-940499728D31}" type="datetimeFigureOut">
               <a:rPr lang="uk-UA" smtClean="0"/>
-              <a:t>11.10.2023</a:t>
+              <a:t>19.10.2023</a:t>
             </a:fld>
             <a:endParaRPr lang="uk-UA"/>
           </a:p>
@@ -1423,7 +1452,7 @@
           <a:p>
             <a:fld id="{6113F138-7681-4725-9E20-940499728D31}" type="datetimeFigureOut">
               <a:rPr lang="uk-UA" smtClean="0"/>
-              <a:t>11.10.2023</a:t>
+              <a:t>19.10.2023</a:t>
             </a:fld>
             <a:endParaRPr lang="uk-UA"/>
           </a:p>
@@ -1838,7 +1867,7 @@
           <a:p>
             <a:fld id="{6113F138-7681-4725-9E20-940499728D31}" type="datetimeFigureOut">
               <a:rPr lang="uk-UA" smtClean="0"/>
-              <a:t>11.10.2023</a:t>
+              <a:t>19.10.2023</a:t>
             </a:fld>
             <a:endParaRPr lang="uk-UA"/>
           </a:p>
@@ -1980,7 +2009,7 @@
           <a:p>
             <a:fld id="{6113F138-7681-4725-9E20-940499728D31}" type="datetimeFigureOut">
               <a:rPr lang="uk-UA" smtClean="0"/>
-              <a:t>11.10.2023</a:t>
+              <a:t>19.10.2023</a:t>
             </a:fld>
             <a:endParaRPr lang="uk-UA"/>
           </a:p>
@@ -2093,7 +2122,7 @@
           <a:p>
             <a:fld id="{6113F138-7681-4725-9E20-940499728D31}" type="datetimeFigureOut">
               <a:rPr lang="uk-UA" smtClean="0"/>
-              <a:t>11.10.2023</a:t>
+              <a:t>19.10.2023</a:t>
             </a:fld>
             <a:endParaRPr lang="uk-UA"/>
           </a:p>
@@ -2406,7 +2435,7 @@
           <a:p>
             <a:fld id="{6113F138-7681-4725-9E20-940499728D31}" type="datetimeFigureOut">
               <a:rPr lang="uk-UA" smtClean="0"/>
-              <a:t>11.10.2023</a:t>
+              <a:t>19.10.2023</a:t>
             </a:fld>
             <a:endParaRPr lang="uk-UA"/>
           </a:p>
@@ -2695,7 +2724,7 @@
           <a:p>
             <a:fld id="{6113F138-7681-4725-9E20-940499728D31}" type="datetimeFigureOut">
               <a:rPr lang="uk-UA" smtClean="0"/>
-              <a:t>11.10.2023</a:t>
+              <a:t>19.10.2023</a:t>
             </a:fld>
             <a:endParaRPr lang="uk-UA"/>
           </a:p>
@@ -2938,7 +2967,7 @@
           <a:p>
             <a:fld id="{6113F138-7681-4725-9E20-940499728D31}" type="datetimeFigureOut">
               <a:rPr lang="uk-UA" smtClean="0"/>
-              <a:t>11.10.2023</a:t>
+              <a:t>19.10.2023</a:t>
             </a:fld>
             <a:endParaRPr lang="uk-UA"/>
           </a:p>
@@ -3420,6 +3449,2381 @@
 </p:sld>
 </file>
 
+<file path=ppt/slides/slide10.xml><?xml version="1.0" encoding="utf-8"?>
+<p:sld xmlns:a="http://schemas.openxmlformats.org/drawingml/2006/main" xmlns:r="http://schemas.openxmlformats.org/officeDocument/2006/relationships" xmlns:p="http://schemas.openxmlformats.org/presentationml/2006/main">
+  <p:cSld>
+    <p:spTree>
+      <p:nvGrpSpPr>
+        <p:cNvPr id="1" name=""/>
+        <p:cNvGrpSpPr/>
+        <p:nvPr/>
+      </p:nvGrpSpPr>
+      <p:grpSpPr>
+        <a:xfrm>
+          <a:off x="0" y="0"/>
+          <a:ext cx="0" cy="0"/>
+          <a:chOff x="0" y="0"/>
+          <a:chExt cx="0" cy="0"/>
+        </a:xfrm>
+      </p:grpSpPr>
+      <p:sp>
+        <p:nvSpPr>
+          <p:cNvPr id="2" name="TextBox 1">
+            <a:extLst>
+              <a:ext uri="{FF2B5EF4-FFF2-40B4-BE49-F238E27FC236}">
+                <a16:creationId xmlns:a16="http://schemas.microsoft.com/office/drawing/2014/main" id="{C487859A-1062-4969-9C0A-A58ADF7319D5}"/>
+              </a:ext>
+            </a:extLst>
+          </p:cNvPr>
+          <p:cNvSpPr txBox="1"/>
+          <p:nvPr/>
+        </p:nvSpPr>
+        <p:spPr>
+          <a:xfrm>
+            <a:off x="8832916" y="831677"/>
+            <a:ext cx="2875175" cy="4154984"/>
+          </a:xfrm>
+          <a:prstGeom prst="rect">
+            <a:avLst/>
+          </a:prstGeom>
+          <a:noFill/>
+        </p:spPr>
+        <p:txBody>
+          <a:bodyPr wrap="square" rtlCol="0">
+            <a:spAutoFit/>
+          </a:bodyPr>
+          <a:lstStyle/>
+          <a:p>
+            <a:r>
+              <a:rPr lang="ru-RU" sz="2400" dirty="0"/>
+              <a:t>Коли в </a:t>
+            </a:r>
+            <a:r>
+              <a:rPr lang="ru-RU" sz="2400" dirty="0" err="1"/>
+              <a:t>одній</a:t>
+            </a:r>
+            <a:r>
+              <a:rPr lang="ru-RU" sz="2400" dirty="0"/>
+              <a:t> </a:t>
+            </a:r>
+            <a:r>
+              <a:rPr lang="ru-RU" sz="2400" dirty="0" err="1"/>
+              <a:t>операції</a:t>
+            </a:r>
+            <a:r>
+              <a:rPr lang="ru-RU" sz="2400" dirty="0"/>
+              <a:t> </a:t>
+            </a:r>
+            <a:r>
+              <a:rPr lang="ru-RU" sz="2400" dirty="0" err="1"/>
+              <a:t>залучені</a:t>
+            </a:r>
+            <a:r>
+              <a:rPr lang="ru-RU" sz="2400" dirty="0"/>
+              <a:t> </a:t>
+            </a:r>
+            <a:r>
+              <a:rPr lang="ru-RU" sz="2400" dirty="0" err="1"/>
+              <a:t>дані</a:t>
+            </a:r>
+            <a:r>
+              <a:rPr lang="ru-RU" sz="2400" dirty="0"/>
+              <a:t> </a:t>
+            </a:r>
+            <a:r>
+              <a:rPr lang="ru-RU" sz="2400" dirty="0" err="1"/>
+              <a:t>різних</a:t>
+            </a:r>
+            <a:r>
+              <a:rPr lang="ru-RU" sz="2400" dirty="0"/>
+              <a:t> </a:t>
+            </a:r>
+            <a:r>
+              <a:rPr lang="ru-RU" sz="2400" dirty="0" err="1"/>
+              <a:t>типів</a:t>
+            </a:r>
+            <a:r>
+              <a:rPr lang="ru-RU" sz="2400" dirty="0"/>
+              <a:t>, не </a:t>
+            </a:r>
+            <a:r>
+              <a:rPr lang="ru-RU" sz="2400" dirty="0" err="1"/>
+              <a:t>завжди</a:t>
+            </a:r>
+            <a:r>
+              <a:rPr lang="ru-RU" sz="2400" dirty="0"/>
+              <a:t> </a:t>
+            </a:r>
+            <a:r>
+              <a:rPr lang="ru-RU" sz="2400" dirty="0" err="1"/>
+              <a:t>потрібно</a:t>
+            </a:r>
+            <a:r>
+              <a:rPr lang="ru-RU" sz="2400" dirty="0"/>
+              <a:t> </a:t>
+            </a:r>
+            <a:r>
+              <a:rPr lang="ru-RU" sz="2400" dirty="0" err="1"/>
+              <a:t>використовувати</a:t>
+            </a:r>
+            <a:r>
+              <a:rPr lang="ru-RU" sz="2400" dirty="0"/>
+              <a:t> </a:t>
+            </a:r>
+            <a:r>
+              <a:rPr lang="ru-RU" sz="2400" dirty="0" err="1"/>
+              <a:t>операцію</a:t>
+            </a:r>
+            <a:r>
+              <a:rPr lang="ru-RU" sz="2400" dirty="0"/>
+              <a:t> </a:t>
+            </a:r>
+            <a:r>
+              <a:rPr lang="ru-RU" sz="2400" dirty="0" err="1"/>
+              <a:t>перетворення</a:t>
+            </a:r>
+            <a:r>
+              <a:rPr lang="ru-RU" sz="2400" dirty="0"/>
+              <a:t> </a:t>
+            </a:r>
+            <a:r>
+              <a:rPr lang="ru-RU" sz="2400" dirty="0" err="1"/>
+              <a:t>типів</a:t>
+            </a:r>
+            <a:r>
+              <a:rPr lang="ru-RU" sz="2400" dirty="0"/>
+              <a:t>. </a:t>
+            </a:r>
+            <a:r>
+              <a:rPr lang="ru-RU" sz="2400" dirty="0" err="1"/>
+              <a:t>Деякі</a:t>
+            </a:r>
+            <a:r>
+              <a:rPr lang="ru-RU" sz="2400" dirty="0"/>
+              <a:t> </a:t>
+            </a:r>
+            <a:r>
+              <a:rPr lang="ru-RU" sz="2400" dirty="0" err="1"/>
+              <a:t>види</a:t>
+            </a:r>
+            <a:r>
+              <a:rPr lang="ru-RU" sz="2400" dirty="0"/>
+              <a:t> </a:t>
+            </a:r>
+            <a:r>
+              <a:rPr lang="ru-RU" sz="2400" dirty="0" err="1"/>
+              <a:t>перетворень</a:t>
+            </a:r>
+            <a:r>
+              <a:rPr lang="ru-RU" sz="2400" dirty="0"/>
+              <a:t> </a:t>
+            </a:r>
+            <a:r>
+              <a:rPr lang="ru-RU" sz="2400" dirty="0" err="1"/>
+              <a:t>виконуються</a:t>
+            </a:r>
+            <a:r>
+              <a:rPr lang="ru-RU" sz="2400" dirty="0"/>
+              <a:t> неявно автоматично.</a:t>
+            </a:r>
+            <a:endParaRPr lang="uk-UA" sz="2400" dirty="0"/>
+          </a:p>
+        </p:txBody>
+      </p:sp>
+      <p:sp>
+        <p:nvSpPr>
+          <p:cNvPr id="3" name="TextBox 2">
+            <a:extLst>
+              <a:ext uri="{FF2B5EF4-FFF2-40B4-BE49-F238E27FC236}">
+                <a16:creationId xmlns:a16="http://schemas.microsoft.com/office/drawing/2014/main" id="{8E383C15-AA82-429D-A57B-A479C064A02C}"/>
+              </a:ext>
+            </a:extLst>
+          </p:cNvPr>
+          <p:cNvSpPr txBox="1"/>
+          <p:nvPr/>
+        </p:nvSpPr>
+        <p:spPr>
+          <a:xfrm>
+            <a:off x="3583756" y="188379"/>
+            <a:ext cx="5024487" cy="584775"/>
+          </a:xfrm>
+          <a:prstGeom prst="rect">
+            <a:avLst/>
+          </a:prstGeom>
+          <a:noFill/>
+        </p:spPr>
+        <p:txBody>
+          <a:bodyPr wrap="square" rtlCol="0">
+            <a:spAutoFit/>
+          </a:bodyPr>
+          <a:lstStyle/>
+          <a:p>
+            <a:pPr algn="ctr"/>
+            <a:r>
+              <a:rPr lang="uk-UA" sz="3200" dirty="0">
+                <a:latin typeface="Comic Sans MS" panose="030F0702030302020204" pitchFamily="66" charset="0"/>
+              </a:rPr>
+              <a:t>Перетворення типів</a:t>
+            </a:r>
+          </a:p>
+        </p:txBody>
+      </p:sp>
+      <p:pic>
+        <p:nvPicPr>
+          <p:cNvPr id="6" name="Рисунок 5">
+            <a:extLst>
+              <a:ext uri="{FF2B5EF4-FFF2-40B4-BE49-F238E27FC236}">
+                <a16:creationId xmlns:a16="http://schemas.microsoft.com/office/drawing/2014/main" id="{043960F9-948E-4725-B44A-E7ED4BC67853}"/>
+              </a:ext>
+            </a:extLst>
+          </p:cNvPr>
+          <p:cNvPicPr>
+            <a:picLocks noChangeAspect="1"/>
+          </p:cNvPicPr>
+          <p:nvPr/>
+        </p:nvPicPr>
+        <p:blipFill>
+          <a:blip r:embed="rId2"/>
+          <a:stretch>
+            <a:fillRect/>
+          </a:stretch>
+        </p:blipFill>
+        <p:spPr>
+          <a:xfrm>
+            <a:off x="889998" y="1466131"/>
+            <a:ext cx="6867525" cy="2886075"/>
+          </a:xfrm>
+          <a:prstGeom prst="rect">
+            <a:avLst/>
+          </a:prstGeom>
+        </p:spPr>
+      </p:pic>
+      <p:sp>
+        <p:nvSpPr>
+          <p:cNvPr id="9" name="Rectangle 3">
+            <a:extLst>
+              <a:ext uri="{FF2B5EF4-FFF2-40B4-BE49-F238E27FC236}">
+                <a16:creationId xmlns:a16="http://schemas.microsoft.com/office/drawing/2014/main" id="{9192FBDE-7DDC-4EF2-B9FA-63587B6CE909}"/>
+              </a:ext>
+            </a:extLst>
+          </p:cNvPr>
+          <p:cNvSpPr>
+            <a:spLocks noChangeArrowheads="1"/>
+          </p:cNvSpPr>
+          <p:nvPr/>
+        </p:nvSpPr>
+        <p:spPr bwMode="auto">
+          <a:xfrm>
+            <a:off x="472911" y="5269477"/>
+            <a:ext cx="6542202" cy="1107996"/>
+          </a:xfrm>
+          <a:prstGeom prst="rect">
+            <a:avLst/>
+          </a:prstGeom>
+          <a:noFill/>
+          <a:ln>
+            <a:noFill/>
+          </a:ln>
+          <a:effectLst/>
+          <a:extLst>
+            <a:ext uri="{909E8E84-426E-40DD-AFC4-6F175D3DCCD1}">
+              <a14:hiddenFill xmlns:a14="http://schemas.microsoft.com/office/drawing/2010/main">
+                <a:solidFill>
+                  <a:schemeClr val="accent1"/>
+                </a:solidFill>
+              </a14:hiddenFill>
+            </a:ext>
+            <a:ext uri="{91240B29-F687-4F45-9708-019B960494DF}">
+              <a14:hiddenLine xmlns:a14="http://schemas.microsoft.com/office/drawing/2010/main" w="9525">
+                <a:solidFill>
+                  <a:schemeClr val="tx1"/>
+                </a:solidFill>
+                <a:miter lim="800000"/>
+                <a:headEnd/>
+                <a:tailEnd/>
+              </a14:hiddenLine>
+            </a:ext>
+            <a:ext uri="{AF507438-7753-43E0-B8FC-AC1667EBCBE1}">
+              <a14:hiddenEffects xmlns:a14="http://schemas.microsoft.com/office/drawing/2010/main">
+                <a:effectLst>
+                  <a:outerShdw dist="35921" dir="2700000" algn="ctr" rotWithShape="0">
+                    <a:schemeClr val="bg2"/>
+                  </a:outerShdw>
+                </a:effectLst>
+              </a14:hiddenEffects>
+            </a:ext>
+          </a:extLst>
+        </p:spPr>
+        <p:txBody>
+          <a:bodyPr vert="horz" wrap="square" lIns="0" tIns="0" rIns="0" bIns="0" numCol="1" anchor="ctr" anchorCtr="0" compatLnSpc="1">
+            <a:prstTxWarp prst="textNoShape">
+              <a:avLst/>
+            </a:prstTxWarp>
+            <a:spAutoFit/>
+          </a:bodyPr>
+          <a:lstStyle>
+            <a:lvl1pPr eaLnBrk="0" fontAlgn="base" hangingPunct="0">
+              <a:spcBef>
+                <a:spcPct val="0"/>
+              </a:spcBef>
+              <a:spcAft>
+                <a:spcPct val="0"/>
+              </a:spcAft>
+              <a:defRPr>
+                <a:solidFill>
+                  <a:schemeClr val="tx1"/>
+                </a:solidFill>
+                <a:latin typeface="Arial" panose="020B0604020202020204" pitchFamily="34" charset="0"/>
+              </a:defRPr>
+            </a:lvl1pPr>
+            <a:lvl2pPr eaLnBrk="0" fontAlgn="base" hangingPunct="0">
+              <a:spcBef>
+                <a:spcPct val="0"/>
+              </a:spcBef>
+              <a:spcAft>
+                <a:spcPct val="0"/>
+              </a:spcAft>
+              <a:defRPr>
+                <a:solidFill>
+                  <a:schemeClr val="tx1"/>
+                </a:solidFill>
+                <a:latin typeface="Arial" panose="020B0604020202020204" pitchFamily="34" charset="0"/>
+              </a:defRPr>
+            </a:lvl2pPr>
+            <a:lvl3pPr eaLnBrk="0" fontAlgn="base" hangingPunct="0">
+              <a:spcBef>
+                <a:spcPct val="0"/>
+              </a:spcBef>
+              <a:spcAft>
+                <a:spcPct val="0"/>
+              </a:spcAft>
+              <a:defRPr>
+                <a:solidFill>
+                  <a:schemeClr val="tx1"/>
+                </a:solidFill>
+                <a:latin typeface="Arial" panose="020B0604020202020204" pitchFamily="34" charset="0"/>
+              </a:defRPr>
+            </a:lvl3pPr>
+            <a:lvl4pPr eaLnBrk="0" fontAlgn="base" hangingPunct="0">
+              <a:spcBef>
+                <a:spcPct val="0"/>
+              </a:spcBef>
+              <a:spcAft>
+                <a:spcPct val="0"/>
+              </a:spcAft>
+              <a:defRPr>
+                <a:solidFill>
+                  <a:schemeClr val="tx1"/>
+                </a:solidFill>
+                <a:latin typeface="Arial" panose="020B0604020202020204" pitchFamily="34" charset="0"/>
+              </a:defRPr>
+            </a:lvl4pPr>
+            <a:lvl5pPr eaLnBrk="0" fontAlgn="base" hangingPunct="0">
+              <a:spcBef>
+                <a:spcPct val="0"/>
+              </a:spcBef>
+              <a:spcAft>
+                <a:spcPct val="0"/>
+              </a:spcAft>
+              <a:defRPr>
+                <a:solidFill>
+                  <a:schemeClr val="tx1"/>
+                </a:solidFill>
+                <a:latin typeface="Arial" panose="020B0604020202020204" pitchFamily="34" charset="0"/>
+              </a:defRPr>
+            </a:lvl5pPr>
+            <a:lvl6pPr eaLnBrk="0" fontAlgn="base" hangingPunct="0">
+              <a:spcBef>
+                <a:spcPct val="0"/>
+              </a:spcBef>
+              <a:spcAft>
+                <a:spcPct val="0"/>
+              </a:spcAft>
+              <a:defRPr>
+                <a:solidFill>
+                  <a:schemeClr val="tx1"/>
+                </a:solidFill>
+                <a:latin typeface="Arial" panose="020B0604020202020204" pitchFamily="34" charset="0"/>
+              </a:defRPr>
+            </a:lvl6pPr>
+            <a:lvl7pPr eaLnBrk="0" fontAlgn="base" hangingPunct="0">
+              <a:spcBef>
+                <a:spcPct val="0"/>
+              </a:spcBef>
+              <a:spcAft>
+                <a:spcPct val="0"/>
+              </a:spcAft>
+              <a:defRPr>
+                <a:solidFill>
+                  <a:schemeClr val="tx1"/>
+                </a:solidFill>
+                <a:latin typeface="Arial" panose="020B0604020202020204" pitchFamily="34" charset="0"/>
+              </a:defRPr>
+            </a:lvl7pPr>
+            <a:lvl8pPr eaLnBrk="0" fontAlgn="base" hangingPunct="0">
+              <a:spcBef>
+                <a:spcPct val="0"/>
+              </a:spcBef>
+              <a:spcAft>
+                <a:spcPct val="0"/>
+              </a:spcAft>
+              <a:defRPr>
+                <a:solidFill>
+                  <a:schemeClr val="tx1"/>
+                </a:solidFill>
+                <a:latin typeface="Arial" panose="020B0604020202020204" pitchFamily="34" charset="0"/>
+              </a:defRPr>
+            </a:lvl8pPr>
+            <a:lvl9pPr eaLnBrk="0" fontAlgn="base" hangingPunct="0">
+              <a:spcBef>
+                <a:spcPct val="0"/>
+              </a:spcBef>
+              <a:spcAft>
+                <a:spcPct val="0"/>
+              </a:spcAft>
+              <a:defRPr>
+                <a:solidFill>
+                  <a:schemeClr val="tx1"/>
+                </a:solidFill>
+                <a:latin typeface="Arial" panose="020B0604020202020204" pitchFamily="34" charset="0"/>
+              </a:defRPr>
+            </a:lvl9pPr>
+          </a:lstStyle>
+          <a:p>
+            <a:pPr marL="0" marR="0" lvl="0" indent="0" algn="l" defTabSz="914400" rtl="0" eaLnBrk="0" fontAlgn="base" latinLnBrk="0" hangingPunct="0">
+              <a:lnSpc>
+                <a:spcPct val="100000"/>
+              </a:lnSpc>
+              <a:spcBef>
+                <a:spcPct val="0"/>
+              </a:spcBef>
+              <a:spcAft>
+                <a:spcPct val="0"/>
+              </a:spcAft>
+              <a:buClrTx/>
+              <a:buSzTx/>
+              <a:buFontTx/>
+              <a:buNone/>
+              <a:tabLst/>
+            </a:pPr>
+            <a:r>
+              <a:rPr kumimoji="0" lang="uk-UA" altLang="uk-UA" sz="2400" b="0" i="0" u="none" strike="noStrike" cap="none" normalizeH="0" baseline="0" dirty="0" err="1">
+                <a:ln>
+                  <a:noFill/>
+                </a:ln>
+                <a:solidFill>
+                  <a:srgbClr val="000000"/>
+                </a:solidFill>
+                <a:effectLst/>
+                <a:latin typeface="var(--code-font-family)"/>
+              </a:rPr>
+              <a:t>int</a:t>
+            </a:r>
+            <a:r>
+              <a:rPr kumimoji="0" lang="uk-UA" altLang="uk-UA" sz="2400" b="0" i="0" u="none" strike="noStrike" cap="none" normalizeH="0" baseline="0" dirty="0">
+                <a:ln>
+                  <a:noFill/>
+                </a:ln>
+                <a:solidFill>
+                  <a:srgbClr val="000000"/>
+                </a:solidFill>
+                <a:effectLst/>
+                <a:latin typeface="Consolas" panose="020B0609020204030204" pitchFamily="49" charset="0"/>
+              </a:rPr>
+              <a:t> </a:t>
+            </a:r>
+            <a:r>
+              <a:rPr kumimoji="0" lang="uk-UA" altLang="uk-UA" sz="2400" b="0" i="0" u="none" strike="noStrike" cap="none" normalizeH="0" baseline="0" dirty="0">
+                <a:ln>
+                  <a:noFill/>
+                </a:ln>
+                <a:solidFill>
+                  <a:srgbClr val="000000"/>
+                </a:solidFill>
+                <a:effectLst/>
+                <a:latin typeface="var(--code-font-family)"/>
+              </a:rPr>
+              <a:t>a = </a:t>
+            </a:r>
+            <a:r>
+              <a:rPr kumimoji="0" lang="uk-UA" altLang="uk-UA" sz="2400" b="0" i="0" u="none" strike="noStrike" cap="none" normalizeH="0" baseline="0" dirty="0">
+                <a:ln>
+                  <a:noFill/>
+                </a:ln>
+                <a:solidFill>
+                  <a:srgbClr val="009900"/>
+                </a:solidFill>
+                <a:effectLst/>
+                <a:latin typeface="var(--code-font-family)"/>
+              </a:rPr>
+              <a:t>2147483647</a:t>
+            </a:r>
+            <a:r>
+              <a:rPr kumimoji="0" lang="uk-UA" altLang="uk-UA" sz="2400" b="0" i="0" u="none" strike="noStrike" cap="none" normalizeH="0" baseline="0" dirty="0">
+                <a:ln>
+                  <a:noFill/>
+                </a:ln>
+                <a:solidFill>
+                  <a:srgbClr val="000000"/>
+                </a:solidFill>
+                <a:effectLst/>
+                <a:latin typeface="var(--code-font-family)"/>
+              </a:rPr>
+              <a:t>;</a:t>
+            </a:r>
+            <a:endParaRPr kumimoji="0" lang="uk-UA" altLang="uk-UA" b="0" i="0" u="none" strike="noStrike" cap="none" normalizeH="0" baseline="0" dirty="0">
+              <a:ln>
+                <a:noFill/>
+              </a:ln>
+              <a:solidFill>
+                <a:schemeClr val="tx1"/>
+              </a:solidFill>
+              <a:effectLst/>
+            </a:endParaRPr>
+          </a:p>
+          <a:p>
+            <a:pPr marL="0" marR="0" lvl="0" indent="0" algn="l" defTabSz="914400" rtl="0" eaLnBrk="0" fontAlgn="base" latinLnBrk="0" hangingPunct="0">
+              <a:lnSpc>
+                <a:spcPct val="100000"/>
+              </a:lnSpc>
+              <a:spcBef>
+                <a:spcPct val="0"/>
+              </a:spcBef>
+              <a:spcAft>
+                <a:spcPct val="0"/>
+              </a:spcAft>
+              <a:buClrTx/>
+              <a:buSzTx/>
+              <a:buFontTx/>
+              <a:buNone/>
+              <a:tabLst/>
+            </a:pPr>
+            <a:r>
+              <a:rPr kumimoji="0" lang="uk-UA" altLang="uk-UA" sz="2400" b="0" i="0" u="none" strike="noStrike" cap="none" normalizeH="0" baseline="0" dirty="0" err="1">
+                <a:ln>
+                  <a:noFill/>
+                </a:ln>
+                <a:solidFill>
+                  <a:srgbClr val="000000"/>
+                </a:solidFill>
+                <a:effectLst/>
+                <a:latin typeface="var(--code-font-family)"/>
+              </a:rPr>
+              <a:t>float</a:t>
+            </a:r>
+            <a:r>
+              <a:rPr kumimoji="0" lang="uk-UA" altLang="uk-UA" sz="2400" b="0" i="0" u="none" strike="noStrike" cap="none" normalizeH="0" baseline="0" dirty="0">
+                <a:ln>
+                  <a:noFill/>
+                </a:ln>
+                <a:solidFill>
+                  <a:srgbClr val="000000"/>
+                </a:solidFill>
+                <a:effectLst/>
+                <a:latin typeface="Consolas" panose="020B0609020204030204" pitchFamily="49" charset="0"/>
+              </a:rPr>
+              <a:t> </a:t>
+            </a:r>
+            <a:r>
+              <a:rPr kumimoji="0" lang="uk-UA" altLang="uk-UA" sz="2400" b="0" i="0" u="none" strike="noStrike" cap="none" normalizeH="0" baseline="0" dirty="0">
+                <a:ln>
+                  <a:noFill/>
+                </a:ln>
+                <a:solidFill>
+                  <a:srgbClr val="000000"/>
+                </a:solidFill>
+                <a:effectLst/>
+                <a:latin typeface="var(--code-font-family)"/>
+              </a:rPr>
+              <a:t>b = a;            // от </a:t>
+            </a:r>
+            <a:r>
+              <a:rPr kumimoji="0" lang="uk-UA" altLang="uk-UA" sz="2400" b="0" i="0" u="none" strike="noStrike" cap="none" normalizeH="0" baseline="0" dirty="0" err="1">
+                <a:ln>
+                  <a:noFill/>
+                </a:ln>
+                <a:solidFill>
+                  <a:srgbClr val="000000"/>
+                </a:solidFill>
+                <a:effectLst/>
+                <a:latin typeface="var(--code-font-family)"/>
+              </a:rPr>
+              <a:t>типа</a:t>
+            </a:r>
+            <a:r>
+              <a:rPr kumimoji="0" lang="uk-UA" altLang="uk-UA" sz="2400" b="0" i="0" u="none" strike="noStrike" cap="none" normalizeH="0" baseline="0" dirty="0">
+                <a:ln>
+                  <a:noFill/>
+                </a:ln>
+                <a:solidFill>
+                  <a:srgbClr val="000000"/>
+                </a:solidFill>
+                <a:effectLst/>
+                <a:latin typeface="var(--code-font-family)"/>
+              </a:rPr>
+              <a:t> </a:t>
+            </a:r>
+            <a:r>
+              <a:rPr kumimoji="0" lang="uk-UA" altLang="uk-UA" sz="2400" b="0" i="0" u="none" strike="noStrike" cap="none" normalizeH="0" baseline="0" dirty="0" err="1">
+                <a:ln>
+                  <a:noFill/>
+                </a:ln>
+                <a:solidFill>
+                  <a:srgbClr val="000000"/>
+                </a:solidFill>
+                <a:effectLst/>
+                <a:latin typeface="var(--code-font-family)"/>
+              </a:rPr>
+              <a:t>int</a:t>
+            </a:r>
+            <a:r>
+              <a:rPr kumimoji="0" lang="uk-UA" altLang="uk-UA" sz="2400" b="0" i="0" u="none" strike="noStrike" cap="none" normalizeH="0" baseline="0" dirty="0">
+                <a:ln>
+                  <a:noFill/>
+                </a:ln>
+                <a:solidFill>
+                  <a:srgbClr val="000000"/>
+                </a:solidFill>
+                <a:effectLst/>
+                <a:latin typeface="var(--code-font-family)"/>
+              </a:rPr>
+              <a:t> к типу </a:t>
+            </a:r>
+            <a:r>
+              <a:rPr kumimoji="0" lang="uk-UA" altLang="uk-UA" sz="2400" b="0" i="0" u="none" strike="noStrike" cap="none" normalizeH="0" baseline="0" dirty="0" err="1">
+                <a:ln>
+                  <a:noFill/>
+                </a:ln>
+                <a:solidFill>
+                  <a:srgbClr val="000000"/>
+                </a:solidFill>
+                <a:effectLst/>
+                <a:latin typeface="var(--code-font-family)"/>
+              </a:rPr>
+              <a:t>float</a:t>
+            </a:r>
+            <a:endParaRPr kumimoji="0" lang="uk-UA" altLang="uk-UA" b="0" i="0" u="none" strike="noStrike" cap="none" normalizeH="0" baseline="0" dirty="0">
+              <a:ln>
+                <a:noFill/>
+              </a:ln>
+              <a:solidFill>
+                <a:schemeClr val="tx1"/>
+              </a:solidFill>
+              <a:effectLst/>
+            </a:endParaRPr>
+          </a:p>
+          <a:p>
+            <a:pPr marL="0" marR="0" lvl="0" indent="0" algn="l" defTabSz="914400" rtl="0" eaLnBrk="0" fontAlgn="base" latinLnBrk="0" hangingPunct="0">
+              <a:lnSpc>
+                <a:spcPct val="100000"/>
+              </a:lnSpc>
+              <a:spcBef>
+                <a:spcPct val="0"/>
+              </a:spcBef>
+              <a:spcAft>
+                <a:spcPct val="0"/>
+              </a:spcAft>
+              <a:buClrTx/>
+              <a:buSzTx/>
+              <a:buFontTx/>
+              <a:buNone/>
+              <a:tabLst/>
+            </a:pPr>
+            <a:r>
+              <a:rPr kumimoji="0" lang="uk-UA" altLang="uk-UA" sz="2400" b="0" i="0" u="none" strike="noStrike" cap="none" normalizeH="0" baseline="0" dirty="0" err="1">
+                <a:ln>
+                  <a:noFill/>
+                </a:ln>
+                <a:solidFill>
+                  <a:srgbClr val="000000"/>
+                </a:solidFill>
+                <a:effectLst/>
+                <a:latin typeface="var(--code-font-family)"/>
+              </a:rPr>
+              <a:t>System.out.println</a:t>
+            </a:r>
+            <a:r>
+              <a:rPr kumimoji="0" lang="uk-UA" altLang="uk-UA" sz="2400" b="0" i="0" u="none" strike="noStrike" cap="none" normalizeH="0" baseline="0" dirty="0">
+                <a:ln>
+                  <a:noFill/>
+                </a:ln>
+                <a:solidFill>
+                  <a:srgbClr val="000000"/>
+                </a:solidFill>
+                <a:effectLst/>
+                <a:latin typeface="var(--code-font-family)"/>
+              </a:rPr>
+              <a:t>(b);  // 2.14748365E9</a:t>
+            </a:r>
+            <a:endParaRPr kumimoji="0" lang="uk-UA" altLang="uk-UA" sz="4800" b="0" i="0" u="none" strike="noStrike" cap="none" normalizeH="0" baseline="0" dirty="0">
+              <a:ln>
+                <a:noFill/>
+              </a:ln>
+              <a:solidFill>
+                <a:schemeClr val="tx1"/>
+              </a:solidFill>
+              <a:effectLst/>
+              <a:latin typeface="Arial" panose="020B0604020202020204" pitchFamily="34" charset="0"/>
+            </a:endParaRPr>
+          </a:p>
+        </p:txBody>
+      </p:sp>
+      <p:sp>
+        <p:nvSpPr>
+          <p:cNvPr id="10" name="TextBox 9">
+            <a:extLst>
+              <a:ext uri="{FF2B5EF4-FFF2-40B4-BE49-F238E27FC236}">
+                <a16:creationId xmlns:a16="http://schemas.microsoft.com/office/drawing/2014/main" id="{A20286C2-F34A-4B9F-844F-C57EFD538C7C}"/>
+              </a:ext>
+            </a:extLst>
+          </p:cNvPr>
+          <p:cNvSpPr txBox="1"/>
+          <p:nvPr/>
+        </p:nvSpPr>
+        <p:spPr>
+          <a:xfrm>
+            <a:off x="2973320" y="3429000"/>
+            <a:ext cx="1985177" cy="461665"/>
+          </a:xfrm>
+          <a:prstGeom prst="rect">
+            <a:avLst/>
+          </a:prstGeom>
+          <a:noFill/>
+        </p:spPr>
+        <p:txBody>
+          <a:bodyPr wrap="square" rtlCol="0">
+            <a:spAutoFit/>
+          </a:bodyPr>
+          <a:lstStyle/>
+          <a:p>
+            <a:r>
+              <a:rPr lang="uk-UA" sz="1200" dirty="0"/>
+              <a:t>*пунктир – точність страждає</a:t>
+            </a:r>
+          </a:p>
+        </p:txBody>
+      </p:sp>
+    </p:spTree>
+    <p:extLst>
+      <p:ext uri="{BB962C8B-B14F-4D97-AF65-F5344CB8AC3E}">
+        <p14:creationId xmlns:p14="http://schemas.microsoft.com/office/powerpoint/2010/main" val="3096210765"/>
+      </p:ext>
+    </p:extLst>
+  </p:cSld>
+  <p:clrMapOvr>
+    <a:masterClrMapping/>
+  </p:clrMapOvr>
+</p:sld>
+</file>
+
+<file path=ppt/slides/slide11.xml><?xml version="1.0" encoding="utf-8"?>
+<p:sld xmlns:a="http://schemas.openxmlformats.org/drawingml/2006/main" xmlns:r="http://schemas.openxmlformats.org/officeDocument/2006/relationships" xmlns:p="http://schemas.openxmlformats.org/presentationml/2006/main">
+  <p:cSld>
+    <p:bg>
+      <p:bgPr>
+        <a:noFill/>
+        <a:effectLst/>
+      </p:bgPr>
+    </p:bg>
+    <p:spTree>
+      <p:nvGrpSpPr>
+        <p:cNvPr id="1" name=""/>
+        <p:cNvGrpSpPr/>
+        <p:nvPr/>
+      </p:nvGrpSpPr>
+      <p:grpSpPr>
+        <a:xfrm>
+          <a:off x="0" y="0"/>
+          <a:ext cx="0" cy="0"/>
+          <a:chOff x="0" y="0"/>
+          <a:chExt cx="0" cy="0"/>
+        </a:xfrm>
+      </p:grpSpPr>
+      <p:sp>
+        <p:nvSpPr>
+          <p:cNvPr id="2" name="TextBox 1">
+            <a:extLst>
+              <a:ext uri="{FF2B5EF4-FFF2-40B4-BE49-F238E27FC236}">
+                <a16:creationId xmlns:a16="http://schemas.microsoft.com/office/drawing/2014/main" id="{7C9852F5-4DA8-49F5-8F21-ECE3AD55C9E5}"/>
+              </a:ext>
+            </a:extLst>
+          </p:cNvPr>
+          <p:cNvSpPr txBox="1"/>
+          <p:nvPr/>
+        </p:nvSpPr>
+        <p:spPr>
+          <a:xfrm>
+            <a:off x="3583756" y="188379"/>
+            <a:ext cx="5024487" cy="584775"/>
+          </a:xfrm>
+          <a:prstGeom prst="rect">
+            <a:avLst/>
+          </a:prstGeom>
+          <a:noFill/>
+        </p:spPr>
+        <p:txBody>
+          <a:bodyPr wrap="square" rtlCol="0">
+            <a:spAutoFit/>
+          </a:bodyPr>
+          <a:lstStyle/>
+          <a:p>
+            <a:pPr algn="ctr"/>
+            <a:r>
+              <a:rPr lang="uk-UA" sz="3200" dirty="0">
+                <a:latin typeface="Comic Sans MS" panose="030F0702030302020204" pitchFamily="66" charset="0"/>
+              </a:rPr>
+              <a:t>Перетворення типів</a:t>
+            </a:r>
+          </a:p>
+        </p:txBody>
+      </p:sp>
+      <p:sp>
+        <p:nvSpPr>
+          <p:cNvPr id="8" name="Rectangle 4">
+            <a:extLst>
+              <a:ext uri="{FF2B5EF4-FFF2-40B4-BE49-F238E27FC236}">
+                <a16:creationId xmlns:a16="http://schemas.microsoft.com/office/drawing/2014/main" id="{D2796CD1-9EA4-4876-B156-BD52D40515CE}"/>
+              </a:ext>
+            </a:extLst>
+          </p:cNvPr>
+          <p:cNvSpPr>
+            <a:spLocks noChangeArrowheads="1"/>
+          </p:cNvSpPr>
+          <p:nvPr/>
+        </p:nvSpPr>
+        <p:spPr bwMode="auto">
+          <a:xfrm>
+            <a:off x="4721599" y="2276294"/>
+            <a:ext cx="2072427" cy="861774"/>
+          </a:xfrm>
+          <a:prstGeom prst="rect">
+            <a:avLst/>
+          </a:prstGeom>
+          <a:noFill/>
+          <a:ln>
+            <a:noFill/>
+          </a:ln>
+          <a:effectLst/>
+          <a:extLst>
+            <a:ext uri="{909E8E84-426E-40DD-AFC4-6F175D3DCCD1}">
+              <a14:hiddenFill xmlns:a14="http://schemas.microsoft.com/office/drawing/2010/main">
+                <a:solidFill>
+                  <a:schemeClr val="accent1"/>
+                </a:solidFill>
+              </a14:hiddenFill>
+            </a:ext>
+            <a:ext uri="{91240B29-F687-4F45-9708-019B960494DF}">
+              <a14:hiddenLine xmlns:a14="http://schemas.microsoft.com/office/drawing/2010/main" w="9525">
+                <a:solidFill>
+                  <a:schemeClr val="tx1"/>
+                </a:solidFill>
+                <a:miter lim="800000"/>
+                <a:headEnd/>
+                <a:tailEnd/>
+              </a14:hiddenLine>
+            </a:ext>
+            <a:ext uri="{AF507438-7753-43E0-B8FC-AC1667EBCBE1}">
+              <a14:hiddenEffects xmlns:a14="http://schemas.microsoft.com/office/drawing/2010/main">
+                <a:effectLst>
+                  <a:outerShdw dist="35921" dir="2700000" algn="ctr" rotWithShape="0">
+                    <a:schemeClr val="bg2"/>
+                  </a:outerShdw>
+                </a:effectLst>
+              </a14:hiddenEffects>
+            </a:ext>
+          </a:extLst>
+        </p:spPr>
+        <p:txBody>
+          <a:bodyPr vert="horz" wrap="none" lIns="0" tIns="0" rIns="0" bIns="0" numCol="1" anchor="ctr" anchorCtr="0" compatLnSpc="1">
+            <a:prstTxWarp prst="textNoShape">
+              <a:avLst/>
+            </a:prstTxWarp>
+            <a:spAutoFit/>
+          </a:bodyPr>
+          <a:lstStyle>
+            <a:lvl1pPr eaLnBrk="0" fontAlgn="base" hangingPunct="0">
+              <a:spcBef>
+                <a:spcPct val="0"/>
+              </a:spcBef>
+              <a:spcAft>
+                <a:spcPct val="0"/>
+              </a:spcAft>
+              <a:defRPr>
+                <a:solidFill>
+                  <a:schemeClr val="tx1"/>
+                </a:solidFill>
+                <a:latin typeface="Arial" panose="020B0604020202020204" pitchFamily="34" charset="0"/>
+              </a:defRPr>
+            </a:lvl1pPr>
+            <a:lvl2pPr eaLnBrk="0" fontAlgn="base" hangingPunct="0">
+              <a:spcBef>
+                <a:spcPct val="0"/>
+              </a:spcBef>
+              <a:spcAft>
+                <a:spcPct val="0"/>
+              </a:spcAft>
+              <a:defRPr>
+                <a:solidFill>
+                  <a:schemeClr val="tx1"/>
+                </a:solidFill>
+                <a:latin typeface="Arial" panose="020B0604020202020204" pitchFamily="34" charset="0"/>
+              </a:defRPr>
+            </a:lvl2pPr>
+            <a:lvl3pPr eaLnBrk="0" fontAlgn="base" hangingPunct="0">
+              <a:spcBef>
+                <a:spcPct val="0"/>
+              </a:spcBef>
+              <a:spcAft>
+                <a:spcPct val="0"/>
+              </a:spcAft>
+              <a:defRPr>
+                <a:solidFill>
+                  <a:schemeClr val="tx1"/>
+                </a:solidFill>
+                <a:latin typeface="Arial" panose="020B0604020202020204" pitchFamily="34" charset="0"/>
+              </a:defRPr>
+            </a:lvl3pPr>
+            <a:lvl4pPr eaLnBrk="0" fontAlgn="base" hangingPunct="0">
+              <a:spcBef>
+                <a:spcPct val="0"/>
+              </a:spcBef>
+              <a:spcAft>
+                <a:spcPct val="0"/>
+              </a:spcAft>
+              <a:defRPr>
+                <a:solidFill>
+                  <a:schemeClr val="tx1"/>
+                </a:solidFill>
+                <a:latin typeface="Arial" panose="020B0604020202020204" pitchFamily="34" charset="0"/>
+              </a:defRPr>
+            </a:lvl4pPr>
+            <a:lvl5pPr eaLnBrk="0" fontAlgn="base" hangingPunct="0">
+              <a:spcBef>
+                <a:spcPct val="0"/>
+              </a:spcBef>
+              <a:spcAft>
+                <a:spcPct val="0"/>
+              </a:spcAft>
+              <a:defRPr>
+                <a:solidFill>
+                  <a:schemeClr val="tx1"/>
+                </a:solidFill>
+                <a:latin typeface="Arial" panose="020B0604020202020204" pitchFamily="34" charset="0"/>
+              </a:defRPr>
+            </a:lvl5pPr>
+            <a:lvl6pPr eaLnBrk="0" fontAlgn="base" hangingPunct="0">
+              <a:spcBef>
+                <a:spcPct val="0"/>
+              </a:spcBef>
+              <a:spcAft>
+                <a:spcPct val="0"/>
+              </a:spcAft>
+              <a:defRPr>
+                <a:solidFill>
+                  <a:schemeClr val="tx1"/>
+                </a:solidFill>
+                <a:latin typeface="Arial" panose="020B0604020202020204" pitchFamily="34" charset="0"/>
+              </a:defRPr>
+            </a:lvl6pPr>
+            <a:lvl7pPr eaLnBrk="0" fontAlgn="base" hangingPunct="0">
+              <a:spcBef>
+                <a:spcPct val="0"/>
+              </a:spcBef>
+              <a:spcAft>
+                <a:spcPct val="0"/>
+              </a:spcAft>
+              <a:defRPr>
+                <a:solidFill>
+                  <a:schemeClr val="tx1"/>
+                </a:solidFill>
+                <a:latin typeface="Arial" panose="020B0604020202020204" pitchFamily="34" charset="0"/>
+              </a:defRPr>
+            </a:lvl7pPr>
+            <a:lvl8pPr eaLnBrk="0" fontAlgn="base" hangingPunct="0">
+              <a:spcBef>
+                <a:spcPct val="0"/>
+              </a:spcBef>
+              <a:spcAft>
+                <a:spcPct val="0"/>
+              </a:spcAft>
+              <a:defRPr>
+                <a:solidFill>
+                  <a:schemeClr val="tx1"/>
+                </a:solidFill>
+                <a:latin typeface="Arial" panose="020B0604020202020204" pitchFamily="34" charset="0"/>
+              </a:defRPr>
+            </a:lvl8pPr>
+            <a:lvl9pPr eaLnBrk="0" fontAlgn="base" hangingPunct="0">
+              <a:spcBef>
+                <a:spcPct val="0"/>
+              </a:spcBef>
+              <a:spcAft>
+                <a:spcPct val="0"/>
+              </a:spcAft>
+              <a:defRPr>
+                <a:solidFill>
+                  <a:schemeClr val="tx1"/>
+                </a:solidFill>
+                <a:latin typeface="Arial" panose="020B0604020202020204" pitchFamily="34" charset="0"/>
+              </a:defRPr>
+            </a:lvl9pPr>
+          </a:lstStyle>
+          <a:p>
+            <a:pPr marL="0" marR="0" lvl="0" indent="0" algn="l" defTabSz="914400" rtl="0" eaLnBrk="0" fontAlgn="base" latinLnBrk="0" hangingPunct="0">
+              <a:lnSpc>
+                <a:spcPct val="100000"/>
+              </a:lnSpc>
+              <a:spcBef>
+                <a:spcPct val="0"/>
+              </a:spcBef>
+              <a:spcAft>
+                <a:spcPct val="0"/>
+              </a:spcAft>
+              <a:buClrTx/>
+              <a:buSzTx/>
+              <a:buFontTx/>
+              <a:buNone/>
+              <a:tabLst/>
+            </a:pPr>
+            <a:r>
+              <a:rPr kumimoji="0" lang="uk-UA" altLang="uk-UA" sz="2800" b="0" i="0" u="none" strike="noStrike" cap="none" normalizeH="0" baseline="0" dirty="0" err="1">
+                <a:ln>
+                  <a:noFill/>
+                </a:ln>
+                <a:solidFill>
+                  <a:srgbClr val="000000"/>
+                </a:solidFill>
+                <a:effectLst/>
+                <a:latin typeface="var(--code-font-family)"/>
+              </a:rPr>
+              <a:t>long</a:t>
+            </a:r>
+            <a:r>
+              <a:rPr kumimoji="0" lang="uk-UA" altLang="uk-UA" sz="2800" b="0" i="0" u="none" strike="noStrike" cap="none" normalizeH="0" baseline="0" dirty="0">
+                <a:ln>
+                  <a:noFill/>
+                </a:ln>
+                <a:solidFill>
+                  <a:srgbClr val="000000"/>
+                </a:solidFill>
+                <a:effectLst/>
+                <a:latin typeface="Consolas" panose="020B0609020204030204" pitchFamily="49" charset="0"/>
+              </a:rPr>
+              <a:t> </a:t>
+            </a:r>
+            <a:r>
+              <a:rPr kumimoji="0" lang="uk-UA" altLang="uk-UA" sz="2800" b="0" i="0" u="none" strike="noStrike" cap="none" normalizeH="0" baseline="0" dirty="0">
+                <a:ln>
+                  <a:noFill/>
+                </a:ln>
+                <a:solidFill>
+                  <a:srgbClr val="000000"/>
+                </a:solidFill>
+                <a:effectLst/>
+                <a:latin typeface="var(--code-font-family)"/>
+              </a:rPr>
+              <a:t>a = </a:t>
+            </a:r>
+            <a:r>
+              <a:rPr kumimoji="0" lang="uk-UA" altLang="uk-UA" sz="2800" b="0" i="0" u="none" strike="noStrike" cap="none" normalizeH="0" baseline="0" dirty="0">
+                <a:ln>
+                  <a:noFill/>
+                </a:ln>
+                <a:solidFill>
+                  <a:srgbClr val="009900"/>
+                </a:solidFill>
+                <a:effectLst/>
+                <a:latin typeface="var(--code-font-family)"/>
+              </a:rPr>
+              <a:t>4</a:t>
+            </a:r>
+            <a:r>
+              <a:rPr kumimoji="0" lang="uk-UA" altLang="uk-UA" sz="2800" b="0" i="0" u="none" strike="noStrike" cap="none" normalizeH="0" baseline="0" dirty="0">
+                <a:ln>
+                  <a:noFill/>
+                </a:ln>
+                <a:solidFill>
+                  <a:srgbClr val="000000"/>
+                </a:solidFill>
+                <a:effectLst/>
+                <a:latin typeface="var(--code-font-family)"/>
+              </a:rPr>
+              <a:t>;</a:t>
+            </a:r>
+            <a:endParaRPr kumimoji="0" lang="uk-UA" altLang="uk-UA" sz="2000" b="0" i="0" u="none" strike="noStrike" cap="none" normalizeH="0" baseline="0" dirty="0">
+              <a:ln>
+                <a:noFill/>
+              </a:ln>
+              <a:solidFill>
+                <a:schemeClr val="tx1"/>
+              </a:solidFill>
+              <a:effectLst/>
+            </a:endParaRPr>
+          </a:p>
+          <a:p>
+            <a:pPr marL="0" marR="0" lvl="0" indent="0" algn="l" defTabSz="914400" rtl="0" eaLnBrk="0" fontAlgn="base" latinLnBrk="0" hangingPunct="0">
+              <a:lnSpc>
+                <a:spcPct val="100000"/>
+              </a:lnSpc>
+              <a:spcBef>
+                <a:spcPct val="0"/>
+              </a:spcBef>
+              <a:spcAft>
+                <a:spcPct val="0"/>
+              </a:spcAft>
+              <a:buClrTx/>
+              <a:buSzTx/>
+              <a:buFontTx/>
+              <a:buNone/>
+              <a:tabLst/>
+            </a:pPr>
+            <a:r>
+              <a:rPr kumimoji="0" lang="uk-UA" altLang="uk-UA" sz="2800" b="0" i="0" u="none" strike="noStrike" cap="none" normalizeH="0" baseline="0" dirty="0" err="1">
+                <a:ln>
+                  <a:noFill/>
+                </a:ln>
+                <a:solidFill>
+                  <a:srgbClr val="000000"/>
+                </a:solidFill>
+                <a:effectLst/>
+                <a:latin typeface="var(--code-font-family)"/>
+              </a:rPr>
+              <a:t>int</a:t>
+            </a:r>
+            <a:r>
+              <a:rPr kumimoji="0" lang="uk-UA" altLang="uk-UA" sz="2800" b="0" i="0" u="none" strike="noStrike" cap="none" normalizeH="0" baseline="0" dirty="0">
+                <a:ln>
+                  <a:noFill/>
+                </a:ln>
+                <a:solidFill>
+                  <a:srgbClr val="000000"/>
+                </a:solidFill>
+                <a:effectLst/>
+                <a:latin typeface="Consolas" panose="020B0609020204030204" pitchFamily="49" charset="0"/>
+              </a:rPr>
+              <a:t> </a:t>
+            </a:r>
+            <a:r>
+              <a:rPr kumimoji="0" lang="uk-UA" altLang="uk-UA" sz="2800" b="0" i="0" u="none" strike="noStrike" cap="none" normalizeH="0" baseline="0" dirty="0">
+                <a:ln>
+                  <a:noFill/>
+                </a:ln>
+                <a:solidFill>
+                  <a:srgbClr val="000000"/>
+                </a:solidFill>
+                <a:effectLst/>
+                <a:latin typeface="var(--code-font-family)"/>
+              </a:rPr>
+              <a:t>b = (</a:t>
+            </a:r>
+            <a:r>
+              <a:rPr kumimoji="0" lang="uk-UA" altLang="uk-UA" sz="2800" b="0" i="0" u="none" strike="noStrike" cap="none" normalizeH="0" baseline="0" dirty="0" err="1">
+                <a:ln>
+                  <a:noFill/>
+                </a:ln>
+                <a:solidFill>
+                  <a:srgbClr val="000000"/>
+                </a:solidFill>
+                <a:effectLst/>
+                <a:latin typeface="var(--code-font-family)"/>
+              </a:rPr>
+              <a:t>int</a:t>
+            </a:r>
+            <a:r>
+              <a:rPr kumimoji="0" lang="uk-UA" altLang="uk-UA" sz="2800" b="0" i="0" u="none" strike="noStrike" cap="none" normalizeH="0" baseline="0" dirty="0">
+                <a:ln>
+                  <a:noFill/>
+                </a:ln>
+                <a:solidFill>
+                  <a:srgbClr val="000000"/>
+                </a:solidFill>
+                <a:effectLst/>
+                <a:latin typeface="var(--code-font-family)"/>
+              </a:rPr>
+              <a:t>) a;</a:t>
+            </a:r>
+            <a:endParaRPr kumimoji="0" lang="uk-UA" altLang="uk-UA" sz="5400" b="0" i="0" u="none" strike="noStrike" cap="none" normalizeH="0" baseline="0" dirty="0">
+              <a:ln>
+                <a:noFill/>
+              </a:ln>
+              <a:solidFill>
+                <a:schemeClr val="tx1"/>
+              </a:solidFill>
+              <a:effectLst/>
+              <a:latin typeface="Arial" panose="020B0604020202020204" pitchFamily="34" charset="0"/>
+            </a:endParaRPr>
+          </a:p>
+        </p:txBody>
+      </p:sp>
+      <p:sp>
+        <p:nvSpPr>
+          <p:cNvPr id="10" name="TextBox 9">
+            <a:extLst>
+              <a:ext uri="{FF2B5EF4-FFF2-40B4-BE49-F238E27FC236}">
+                <a16:creationId xmlns:a16="http://schemas.microsoft.com/office/drawing/2014/main" id="{5470E40C-78AD-42A0-8278-96133A4CADF9}"/>
+              </a:ext>
+            </a:extLst>
+          </p:cNvPr>
+          <p:cNvSpPr txBox="1"/>
+          <p:nvPr/>
+        </p:nvSpPr>
+        <p:spPr>
+          <a:xfrm>
+            <a:off x="514546" y="4282920"/>
+            <a:ext cx="10486534" cy="1815882"/>
+          </a:xfrm>
+          <a:prstGeom prst="rect">
+            <a:avLst/>
+          </a:prstGeom>
+          <a:noFill/>
+        </p:spPr>
+        <p:txBody>
+          <a:bodyPr wrap="square">
+            <a:spAutoFit/>
+          </a:bodyPr>
+          <a:lstStyle/>
+          <a:p>
+            <a:r>
+              <a:rPr lang="uk-UA" sz="2800" dirty="0"/>
+              <a:t>В інших перетвореннях примітивних типів явним чином застосовується операція перетворення типів. Зазвичай це звуження перетворення (</a:t>
+            </a:r>
+            <a:r>
+              <a:rPr lang="uk-UA" sz="2800" dirty="0" err="1"/>
+              <a:t>narrowing</a:t>
+            </a:r>
+            <a:r>
+              <a:rPr lang="uk-UA" sz="2800" dirty="0"/>
+              <a:t>) від типу з більшою розрядністю до типу з меншою розрядністю:</a:t>
+            </a:r>
+          </a:p>
+        </p:txBody>
+      </p:sp>
+    </p:spTree>
+    <p:extLst>
+      <p:ext uri="{BB962C8B-B14F-4D97-AF65-F5344CB8AC3E}">
+        <p14:creationId xmlns:p14="http://schemas.microsoft.com/office/powerpoint/2010/main" val="529793810"/>
+      </p:ext>
+    </p:extLst>
+  </p:cSld>
+  <p:clrMapOvr>
+    <a:masterClrMapping/>
+  </p:clrMapOvr>
+</p:sld>
+</file>
+
+<file path=ppt/slides/slide12.xml><?xml version="1.0" encoding="utf-8"?>
+<p:sld xmlns:a="http://schemas.openxmlformats.org/drawingml/2006/main" xmlns:r="http://schemas.openxmlformats.org/officeDocument/2006/relationships" xmlns:p="http://schemas.openxmlformats.org/presentationml/2006/main">
+  <p:cSld>
+    <p:bg>
+      <p:bgPr>
+        <a:noFill/>
+        <a:effectLst/>
+      </p:bgPr>
+    </p:bg>
+    <p:spTree>
+      <p:nvGrpSpPr>
+        <p:cNvPr id="1" name=""/>
+        <p:cNvGrpSpPr/>
+        <p:nvPr/>
+      </p:nvGrpSpPr>
+      <p:grpSpPr>
+        <a:xfrm>
+          <a:off x="0" y="0"/>
+          <a:ext cx="0" cy="0"/>
+          <a:chOff x="0" y="0"/>
+          <a:chExt cx="0" cy="0"/>
+        </a:xfrm>
+      </p:grpSpPr>
+      <p:sp>
+        <p:nvSpPr>
+          <p:cNvPr id="3" name="TextBox 2">
+            <a:extLst>
+              <a:ext uri="{FF2B5EF4-FFF2-40B4-BE49-F238E27FC236}">
+                <a16:creationId xmlns:a16="http://schemas.microsoft.com/office/drawing/2014/main" id="{04402938-487D-44EC-A057-891716FE8526}"/>
+              </a:ext>
+            </a:extLst>
+          </p:cNvPr>
+          <p:cNvSpPr txBox="1"/>
+          <p:nvPr/>
+        </p:nvSpPr>
+        <p:spPr>
+          <a:xfrm>
+            <a:off x="3048786" y="239540"/>
+            <a:ext cx="6094428" cy="523220"/>
+          </a:xfrm>
+          <a:prstGeom prst="rect">
+            <a:avLst/>
+          </a:prstGeom>
+          <a:noFill/>
+        </p:spPr>
+        <p:txBody>
+          <a:bodyPr wrap="square">
+            <a:spAutoFit/>
+          </a:bodyPr>
+          <a:lstStyle/>
+          <a:p>
+            <a:pPr algn="ctr"/>
+            <a:r>
+              <a:rPr lang="uk-UA" sz="2800" dirty="0"/>
+              <a:t>Втрата даних під час перетворення</a:t>
+            </a:r>
+          </a:p>
+        </p:txBody>
+      </p:sp>
+      <p:sp>
+        <p:nvSpPr>
+          <p:cNvPr id="5" name="TextBox 4">
+            <a:extLst>
+              <a:ext uri="{FF2B5EF4-FFF2-40B4-BE49-F238E27FC236}">
+                <a16:creationId xmlns:a16="http://schemas.microsoft.com/office/drawing/2014/main" id="{F289D4E4-CB77-4D15-8559-331A76C06A9B}"/>
+              </a:ext>
+            </a:extLst>
+          </p:cNvPr>
+          <p:cNvSpPr txBox="1"/>
+          <p:nvPr/>
+        </p:nvSpPr>
+        <p:spPr>
+          <a:xfrm>
+            <a:off x="294588" y="762760"/>
+            <a:ext cx="6094428" cy="923330"/>
+          </a:xfrm>
+          <a:prstGeom prst="rect">
+            <a:avLst/>
+          </a:prstGeom>
+          <a:noFill/>
+        </p:spPr>
+        <p:txBody>
+          <a:bodyPr wrap="square">
+            <a:spAutoFit/>
+          </a:bodyPr>
+          <a:lstStyle/>
+          <a:p>
+            <a:r>
+              <a:rPr lang="uk-UA" dirty="0"/>
+              <a:t>При застосуванні явних змін ми можемо зіткнутися з втратою даних. Наприклад, у наступному коді у нас не виникне жодних проблем:</a:t>
+            </a:r>
+          </a:p>
+        </p:txBody>
+      </p:sp>
+      <p:sp>
+        <p:nvSpPr>
+          <p:cNvPr id="6" name="Rectangle 2">
+            <a:extLst>
+              <a:ext uri="{FF2B5EF4-FFF2-40B4-BE49-F238E27FC236}">
+                <a16:creationId xmlns:a16="http://schemas.microsoft.com/office/drawing/2014/main" id="{FCD30713-E1C6-476A-A658-AC07C803FA83}"/>
+              </a:ext>
+            </a:extLst>
+          </p:cNvPr>
+          <p:cNvSpPr>
+            <a:spLocks noChangeArrowheads="1"/>
+          </p:cNvSpPr>
+          <p:nvPr/>
+        </p:nvSpPr>
+        <p:spPr bwMode="auto">
+          <a:xfrm>
+            <a:off x="294588" y="1793812"/>
+            <a:ext cx="2967086" cy="830997"/>
+          </a:xfrm>
+          <a:prstGeom prst="rect">
+            <a:avLst/>
+          </a:prstGeom>
+          <a:noFill/>
+          <a:ln>
+            <a:noFill/>
+          </a:ln>
+          <a:effectLst/>
+          <a:extLst>
+            <a:ext uri="{909E8E84-426E-40DD-AFC4-6F175D3DCCD1}">
+              <a14:hiddenFill xmlns:a14="http://schemas.microsoft.com/office/drawing/2010/main">
+                <a:solidFill>
+                  <a:schemeClr val="accent1"/>
+                </a:solidFill>
+              </a14:hiddenFill>
+            </a:ext>
+            <a:ext uri="{91240B29-F687-4F45-9708-019B960494DF}">
+              <a14:hiddenLine xmlns:a14="http://schemas.microsoft.com/office/drawing/2010/main" w="9525">
+                <a:solidFill>
+                  <a:schemeClr val="tx1"/>
+                </a:solidFill>
+                <a:miter lim="800000"/>
+                <a:headEnd/>
+                <a:tailEnd/>
+              </a14:hiddenLine>
+            </a:ext>
+            <a:ext uri="{AF507438-7753-43E0-B8FC-AC1667EBCBE1}">
+              <a14:hiddenEffects xmlns:a14="http://schemas.microsoft.com/office/drawing/2010/main">
+                <a:effectLst>
+                  <a:outerShdw dist="35921" dir="2700000" algn="ctr" rotWithShape="0">
+                    <a:schemeClr val="bg2"/>
+                  </a:outerShdw>
+                </a:effectLst>
+              </a14:hiddenEffects>
+            </a:ext>
+          </a:extLst>
+        </p:spPr>
+        <p:txBody>
+          <a:bodyPr vert="horz" wrap="square" lIns="0" tIns="0" rIns="0" bIns="0" numCol="1" anchor="ctr" anchorCtr="0" compatLnSpc="1">
+            <a:prstTxWarp prst="textNoShape">
+              <a:avLst/>
+            </a:prstTxWarp>
+            <a:spAutoFit/>
+          </a:bodyPr>
+          <a:lstStyle>
+            <a:lvl1pPr eaLnBrk="0" fontAlgn="base" hangingPunct="0">
+              <a:spcBef>
+                <a:spcPct val="0"/>
+              </a:spcBef>
+              <a:spcAft>
+                <a:spcPct val="0"/>
+              </a:spcAft>
+              <a:defRPr>
+                <a:solidFill>
+                  <a:schemeClr val="tx1"/>
+                </a:solidFill>
+                <a:latin typeface="Arial" panose="020B0604020202020204" pitchFamily="34" charset="0"/>
+              </a:defRPr>
+            </a:lvl1pPr>
+            <a:lvl2pPr eaLnBrk="0" fontAlgn="base" hangingPunct="0">
+              <a:spcBef>
+                <a:spcPct val="0"/>
+              </a:spcBef>
+              <a:spcAft>
+                <a:spcPct val="0"/>
+              </a:spcAft>
+              <a:defRPr>
+                <a:solidFill>
+                  <a:schemeClr val="tx1"/>
+                </a:solidFill>
+                <a:latin typeface="Arial" panose="020B0604020202020204" pitchFamily="34" charset="0"/>
+              </a:defRPr>
+            </a:lvl2pPr>
+            <a:lvl3pPr eaLnBrk="0" fontAlgn="base" hangingPunct="0">
+              <a:spcBef>
+                <a:spcPct val="0"/>
+              </a:spcBef>
+              <a:spcAft>
+                <a:spcPct val="0"/>
+              </a:spcAft>
+              <a:defRPr>
+                <a:solidFill>
+                  <a:schemeClr val="tx1"/>
+                </a:solidFill>
+                <a:latin typeface="Arial" panose="020B0604020202020204" pitchFamily="34" charset="0"/>
+              </a:defRPr>
+            </a:lvl3pPr>
+            <a:lvl4pPr eaLnBrk="0" fontAlgn="base" hangingPunct="0">
+              <a:spcBef>
+                <a:spcPct val="0"/>
+              </a:spcBef>
+              <a:spcAft>
+                <a:spcPct val="0"/>
+              </a:spcAft>
+              <a:defRPr>
+                <a:solidFill>
+                  <a:schemeClr val="tx1"/>
+                </a:solidFill>
+                <a:latin typeface="Arial" panose="020B0604020202020204" pitchFamily="34" charset="0"/>
+              </a:defRPr>
+            </a:lvl4pPr>
+            <a:lvl5pPr eaLnBrk="0" fontAlgn="base" hangingPunct="0">
+              <a:spcBef>
+                <a:spcPct val="0"/>
+              </a:spcBef>
+              <a:spcAft>
+                <a:spcPct val="0"/>
+              </a:spcAft>
+              <a:defRPr>
+                <a:solidFill>
+                  <a:schemeClr val="tx1"/>
+                </a:solidFill>
+                <a:latin typeface="Arial" panose="020B0604020202020204" pitchFamily="34" charset="0"/>
+              </a:defRPr>
+            </a:lvl5pPr>
+            <a:lvl6pPr eaLnBrk="0" fontAlgn="base" hangingPunct="0">
+              <a:spcBef>
+                <a:spcPct val="0"/>
+              </a:spcBef>
+              <a:spcAft>
+                <a:spcPct val="0"/>
+              </a:spcAft>
+              <a:defRPr>
+                <a:solidFill>
+                  <a:schemeClr val="tx1"/>
+                </a:solidFill>
+                <a:latin typeface="Arial" panose="020B0604020202020204" pitchFamily="34" charset="0"/>
+              </a:defRPr>
+            </a:lvl6pPr>
+            <a:lvl7pPr eaLnBrk="0" fontAlgn="base" hangingPunct="0">
+              <a:spcBef>
+                <a:spcPct val="0"/>
+              </a:spcBef>
+              <a:spcAft>
+                <a:spcPct val="0"/>
+              </a:spcAft>
+              <a:defRPr>
+                <a:solidFill>
+                  <a:schemeClr val="tx1"/>
+                </a:solidFill>
+                <a:latin typeface="Arial" panose="020B0604020202020204" pitchFamily="34" charset="0"/>
+              </a:defRPr>
+            </a:lvl7pPr>
+            <a:lvl8pPr eaLnBrk="0" fontAlgn="base" hangingPunct="0">
+              <a:spcBef>
+                <a:spcPct val="0"/>
+              </a:spcBef>
+              <a:spcAft>
+                <a:spcPct val="0"/>
+              </a:spcAft>
+              <a:defRPr>
+                <a:solidFill>
+                  <a:schemeClr val="tx1"/>
+                </a:solidFill>
+                <a:latin typeface="Arial" panose="020B0604020202020204" pitchFamily="34" charset="0"/>
+              </a:defRPr>
+            </a:lvl8pPr>
+            <a:lvl9pPr eaLnBrk="0" fontAlgn="base" hangingPunct="0">
+              <a:spcBef>
+                <a:spcPct val="0"/>
+              </a:spcBef>
+              <a:spcAft>
+                <a:spcPct val="0"/>
+              </a:spcAft>
+              <a:defRPr>
+                <a:solidFill>
+                  <a:schemeClr val="tx1"/>
+                </a:solidFill>
+                <a:latin typeface="Arial" panose="020B0604020202020204" pitchFamily="34" charset="0"/>
+              </a:defRPr>
+            </a:lvl9pPr>
+          </a:lstStyle>
+          <a:p>
+            <a:pPr marL="0" marR="0" lvl="0" indent="0" algn="l" defTabSz="914400" rtl="0" eaLnBrk="0" fontAlgn="base" latinLnBrk="0" hangingPunct="0">
+              <a:lnSpc>
+                <a:spcPct val="100000"/>
+              </a:lnSpc>
+              <a:spcBef>
+                <a:spcPct val="0"/>
+              </a:spcBef>
+              <a:spcAft>
+                <a:spcPct val="0"/>
+              </a:spcAft>
+              <a:buClrTx/>
+              <a:buSzTx/>
+              <a:buFontTx/>
+              <a:buNone/>
+              <a:tabLst/>
+            </a:pPr>
+            <a:r>
+              <a:rPr kumimoji="0" lang="uk-UA" altLang="uk-UA" b="0" i="0" u="none" strike="noStrike" cap="none" normalizeH="0" baseline="0" dirty="0" err="1">
+                <a:ln>
+                  <a:noFill/>
+                </a:ln>
+                <a:solidFill>
+                  <a:srgbClr val="000000"/>
+                </a:solidFill>
+                <a:effectLst/>
+                <a:latin typeface="var(--code-font-family)"/>
+              </a:rPr>
+              <a:t>int</a:t>
+            </a:r>
+            <a:r>
+              <a:rPr kumimoji="0" lang="uk-UA" altLang="uk-UA" b="0" i="0" u="none" strike="noStrike" cap="none" normalizeH="0" baseline="0" dirty="0">
+                <a:ln>
+                  <a:noFill/>
+                </a:ln>
+                <a:solidFill>
+                  <a:srgbClr val="000000"/>
+                </a:solidFill>
+                <a:effectLst/>
+                <a:latin typeface="Consolas" panose="020B0609020204030204" pitchFamily="49" charset="0"/>
+              </a:rPr>
+              <a:t> </a:t>
+            </a:r>
+            <a:r>
+              <a:rPr kumimoji="0" lang="uk-UA" altLang="uk-UA" b="0" i="0" u="none" strike="noStrike" cap="none" normalizeH="0" baseline="0" dirty="0">
+                <a:ln>
+                  <a:noFill/>
+                </a:ln>
+                <a:solidFill>
+                  <a:srgbClr val="000000"/>
+                </a:solidFill>
+                <a:effectLst/>
+                <a:latin typeface="var(--code-font-family)"/>
+              </a:rPr>
+              <a:t>a = </a:t>
+            </a:r>
+            <a:r>
+              <a:rPr kumimoji="0" lang="uk-UA" altLang="uk-UA" b="0" i="0" u="none" strike="noStrike" cap="none" normalizeH="0" baseline="0" dirty="0">
+                <a:ln>
+                  <a:noFill/>
+                </a:ln>
+                <a:solidFill>
+                  <a:srgbClr val="009900"/>
+                </a:solidFill>
+                <a:effectLst/>
+                <a:latin typeface="var(--code-font-family)"/>
+              </a:rPr>
+              <a:t>5</a:t>
+            </a:r>
+            <a:r>
+              <a:rPr kumimoji="0" lang="uk-UA" altLang="uk-UA" b="0" i="0" u="none" strike="noStrike" cap="none" normalizeH="0" baseline="0" dirty="0">
+                <a:ln>
+                  <a:noFill/>
+                </a:ln>
+                <a:solidFill>
+                  <a:srgbClr val="000000"/>
+                </a:solidFill>
+                <a:effectLst/>
+                <a:latin typeface="var(--code-font-family)"/>
+              </a:rPr>
+              <a:t>;</a:t>
+            </a:r>
+            <a:endParaRPr kumimoji="0" lang="uk-UA" altLang="uk-UA" sz="1400" b="0" i="0" u="none" strike="noStrike" cap="none" normalizeH="0" baseline="0" dirty="0">
+              <a:ln>
+                <a:noFill/>
+              </a:ln>
+              <a:solidFill>
+                <a:schemeClr val="tx1"/>
+              </a:solidFill>
+              <a:effectLst/>
+            </a:endParaRPr>
+          </a:p>
+          <a:p>
+            <a:pPr marL="0" marR="0" lvl="0" indent="0" algn="l" defTabSz="914400" rtl="0" eaLnBrk="0" fontAlgn="base" latinLnBrk="0" hangingPunct="0">
+              <a:lnSpc>
+                <a:spcPct val="100000"/>
+              </a:lnSpc>
+              <a:spcBef>
+                <a:spcPct val="0"/>
+              </a:spcBef>
+              <a:spcAft>
+                <a:spcPct val="0"/>
+              </a:spcAft>
+              <a:buClrTx/>
+              <a:buSzTx/>
+              <a:buFontTx/>
+              <a:buNone/>
+              <a:tabLst/>
+            </a:pPr>
+            <a:r>
+              <a:rPr kumimoji="0" lang="uk-UA" altLang="uk-UA" b="0" i="0" u="none" strike="noStrike" cap="none" normalizeH="0" baseline="0" dirty="0" err="1">
+                <a:ln>
+                  <a:noFill/>
+                </a:ln>
+                <a:solidFill>
+                  <a:srgbClr val="000000"/>
+                </a:solidFill>
+                <a:effectLst/>
+                <a:latin typeface="var(--code-font-family)"/>
+              </a:rPr>
+              <a:t>byte</a:t>
+            </a:r>
+            <a:r>
+              <a:rPr kumimoji="0" lang="uk-UA" altLang="uk-UA" b="0" i="0" u="none" strike="noStrike" cap="none" normalizeH="0" baseline="0" dirty="0">
+                <a:ln>
+                  <a:noFill/>
+                </a:ln>
+                <a:solidFill>
+                  <a:srgbClr val="000000"/>
+                </a:solidFill>
+                <a:effectLst/>
+                <a:latin typeface="Consolas" panose="020B0609020204030204" pitchFamily="49" charset="0"/>
+              </a:rPr>
+              <a:t> </a:t>
+            </a:r>
+            <a:r>
+              <a:rPr kumimoji="0" lang="uk-UA" altLang="uk-UA" b="0" i="0" u="none" strike="noStrike" cap="none" normalizeH="0" baseline="0" dirty="0">
+                <a:ln>
+                  <a:noFill/>
+                </a:ln>
+                <a:solidFill>
+                  <a:srgbClr val="000000"/>
+                </a:solidFill>
+                <a:effectLst/>
+                <a:latin typeface="var(--code-font-family)"/>
+              </a:rPr>
+              <a:t>b = (</a:t>
+            </a:r>
+            <a:r>
+              <a:rPr kumimoji="0" lang="uk-UA" altLang="uk-UA" b="0" i="0" u="none" strike="noStrike" cap="none" normalizeH="0" baseline="0" dirty="0" err="1">
+                <a:ln>
+                  <a:noFill/>
+                </a:ln>
+                <a:solidFill>
+                  <a:srgbClr val="000000"/>
+                </a:solidFill>
+                <a:effectLst/>
+                <a:latin typeface="var(--code-font-family)"/>
+              </a:rPr>
+              <a:t>byte</a:t>
+            </a:r>
+            <a:r>
+              <a:rPr kumimoji="0" lang="uk-UA" altLang="uk-UA" b="0" i="0" u="none" strike="noStrike" cap="none" normalizeH="0" baseline="0" dirty="0">
+                <a:ln>
+                  <a:noFill/>
+                </a:ln>
+                <a:solidFill>
+                  <a:srgbClr val="000000"/>
+                </a:solidFill>
+                <a:effectLst/>
+                <a:latin typeface="var(--code-font-family)"/>
+              </a:rPr>
+              <a:t>) a;</a:t>
+            </a:r>
+            <a:endParaRPr kumimoji="0" lang="uk-UA" altLang="uk-UA" sz="1400" b="0" i="0" u="none" strike="noStrike" cap="none" normalizeH="0" baseline="0" dirty="0">
+              <a:ln>
+                <a:noFill/>
+              </a:ln>
+              <a:solidFill>
+                <a:schemeClr val="tx1"/>
+              </a:solidFill>
+              <a:effectLst/>
+            </a:endParaRPr>
+          </a:p>
+          <a:p>
+            <a:pPr marL="0" marR="0" lvl="0" indent="0" algn="l" defTabSz="914400" rtl="0" eaLnBrk="0" fontAlgn="base" latinLnBrk="0" hangingPunct="0">
+              <a:lnSpc>
+                <a:spcPct val="100000"/>
+              </a:lnSpc>
+              <a:spcBef>
+                <a:spcPct val="0"/>
+              </a:spcBef>
+              <a:spcAft>
+                <a:spcPct val="0"/>
+              </a:spcAft>
+              <a:buClrTx/>
+              <a:buSzTx/>
+              <a:buFontTx/>
+              <a:buNone/>
+              <a:tabLst/>
+            </a:pPr>
+            <a:r>
+              <a:rPr kumimoji="0" lang="uk-UA" altLang="uk-UA" b="0" i="0" u="none" strike="noStrike" cap="none" normalizeH="0" baseline="0" dirty="0" err="1">
+                <a:ln>
+                  <a:noFill/>
+                </a:ln>
+                <a:solidFill>
+                  <a:srgbClr val="000000"/>
+                </a:solidFill>
+                <a:effectLst/>
+                <a:latin typeface="var(--code-font-family)"/>
+              </a:rPr>
+              <a:t>System.out.println</a:t>
+            </a:r>
+            <a:r>
+              <a:rPr kumimoji="0" lang="uk-UA" altLang="uk-UA" b="0" i="0" u="none" strike="noStrike" cap="none" normalizeH="0" baseline="0" dirty="0">
+                <a:ln>
+                  <a:noFill/>
+                </a:ln>
+                <a:solidFill>
+                  <a:srgbClr val="000000"/>
+                </a:solidFill>
+                <a:effectLst/>
+                <a:latin typeface="var(--code-font-family)"/>
+              </a:rPr>
+              <a:t>(b);      // 5</a:t>
+            </a:r>
+            <a:endParaRPr kumimoji="0" lang="uk-UA" altLang="uk-UA" sz="4000" b="0" i="0" u="none" strike="noStrike" cap="none" normalizeH="0" baseline="0" dirty="0">
+              <a:ln>
+                <a:noFill/>
+              </a:ln>
+              <a:solidFill>
+                <a:schemeClr val="tx1"/>
+              </a:solidFill>
+              <a:effectLst/>
+              <a:latin typeface="Arial" panose="020B0604020202020204" pitchFamily="34" charset="0"/>
+            </a:endParaRPr>
+          </a:p>
+        </p:txBody>
+      </p:sp>
+      <p:sp>
+        <p:nvSpPr>
+          <p:cNvPr id="7" name="TextBox 6">
+            <a:extLst>
+              <a:ext uri="{FF2B5EF4-FFF2-40B4-BE49-F238E27FC236}">
+                <a16:creationId xmlns:a16="http://schemas.microsoft.com/office/drawing/2014/main" id="{913ED0AE-D398-435D-BA43-8E5DB9194F11}"/>
+              </a:ext>
+            </a:extLst>
+          </p:cNvPr>
+          <p:cNvSpPr txBox="1"/>
+          <p:nvPr/>
+        </p:nvSpPr>
+        <p:spPr>
+          <a:xfrm>
+            <a:off x="294588" y="2888472"/>
+            <a:ext cx="1828800" cy="369332"/>
+          </a:xfrm>
+          <a:prstGeom prst="rect">
+            <a:avLst/>
+          </a:prstGeom>
+          <a:noFill/>
+        </p:spPr>
+        <p:txBody>
+          <a:bodyPr wrap="square" rtlCol="0">
+            <a:spAutoFit/>
+          </a:bodyPr>
+          <a:lstStyle/>
+          <a:p>
+            <a:r>
+              <a:rPr lang="uk-UA" dirty="0"/>
+              <a:t>Але:</a:t>
+            </a:r>
+          </a:p>
+        </p:txBody>
+      </p:sp>
+      <p:sp>
+        <p:nvSpPr>
+          <p:cNvPr id="8" name="Rectangle 3">
+            <a:extLst>
+              <a:ext uri="{FF2B5EF4-FFF2-40B4-BE49-F238E27FC236}">
+                <a16:creationId xmlns:a16="http://schemas.microsoft.com/office/drawing/2014/main" id="{951E9B46-A636-4434-82D2-660843781662}"/>
+              </a:ext>
+            </a:extLst>
+          </p:cNvPr>
+          <p:cNvSpPr>
+            <a:spLocks noChangeArrowheads="1"/>
+          </p:cNvSpPr>
+          <p:nvPr/>
+        </p:nvSpPr>
+        <p:spPr bwMode="auto">
+          <a:xfrm>
+            <a:off x="294588" y="3413303"/>
+            <a:ext cx="2754198" cy="830997"/>
+          </a:xfrm>
+          <a:prstGeom prst="rect">
+            <a:avLst/>
+          </a:prstGeom>
+          <a:noFill/>
+          <a:ln>
+            <a:noFill/>
+          </a:ln>
+          <a:effectLst/>
+          <a:extLst>
+            <a:ext uri="{909E8E84-426E-40DD-AFC4-6F175D3DCCD1}">
+              <a14:hiddenFill xmlns:a14="http://schemas.microsoft.com/office/drawing/2010/main">
+                <a:solidFill>
+                  <a:schemeClr val="accent1"/>
+                </a:solidFill>
+              </a14:hiddenFill>
+            </a:ext>
+            <a:ext uri="{91240B29-F687-4F45-9708-019B960494DF}">
+              <a14:hiddenLine xmlns:a14="http://schemas.microsoft.com/office/drawing/2010/main" w="9525">
+                <a:solidFill>
+                  <a:schemeClr val="tx1"/>
+                </a:solidFill>
+                <a:miter lim="800000"/>
+                <a:headEnd/>
+                <a:tailEnd/>
+              </a14:hiddenLine>
+            </a:ext>
+            <a:ext uri="{AF507438-7753-43E0-B8FC-AC1667EBCBE1}">
+              <a14:hiddenEffects xmlns:a14="http://schemas.microsoft.com/office/drawing/2010/main">
+                <a:effectLst>
+                  <a:outerShdw dist="35921" dir="2700000" algn="ctr" rotWithShape="0">
+                    <a:schemeClr val="bg2"/>
+                  </a:outerShdw>
+                </a:effectLst>
+              </a14:hiddenEffects>
+            </a:ext>
+          </a:extLst>
+        </p:spPr>
+        <p:txBody>
+          <a:bodyPr vert="horz" wrap="square" lIns="0" tIns="0" rIns="0" bIns="0" numCol="1" anchor="ctr" anchorCtr="0" compatLnSpc="1">
+            <a:prstTxWarp prst="textNoShape">
+              <a:avLst/>
+            </a:prstTxWarp>
+            <a:spAutoFit/>
+          </a:bodyPr>
+          <a:lstStyle>
+            <a:lvl1pPr eaLnBrk="0" fontAlgn="base" hangingPunct="0">
+              <a:spcBef>
+                <a:spcPct val="0"/>
+              </a:spcBef>
+              <a:spcAft>
+                <a:spcPct val="0"/>
+              </a:spcAft>
+              <a:defRPr>
+                <a:solidFill>
+                  <a:schemeClr val="tx1"/>
+                </a:solidFill>
+                <a:latin typeface="Arial" panose="020B0604020202020204" pitchFamily="34" charset="0"/>
+              </a:defRPr>
+            </a:lvl1pPr>
+            <a:lvl2pPr eaLnBrk="0" fontAlgn="base" hangingPunct="0">
+              <a:spcBef>
+                <a:spcPct val="0"/>
+              </a:spcBef>
+              <a:spcAft>
+                <a:spcPct val="0"/>
+              </a:spcAft>
+              <a:defRPr>
+                <a:solidFill>
+                  <a:schemeClr val="tx1"/>
+                </a:solidFill>
+                <a:latin typeface="Arial" panose="020B0604020202020204" pitchFamily="34" charset="0"/>
+              </a:defRPr>
+            </a:lvl2pPr>
+            <a:lvl3pPr eaLnBrk="0" fontAlgn="base" hangingPunct="0">
+              <a:spcBef>
+                <a:spcPct val="0"/>
+              </a:spcBef>
+              <a:spcAft>
+                <a:spcPct val="0"/>
+              </a:spcAft>
+              <a:defRPr>
+                <a:solidFill>
+                  <a:schemeClr val="tx1"/>
+                </a:solidFill>
+                <a:latin typeface="Arial" panose="020B0604020202020204" pitchFamily="34" charset="0"/>
+              </a:defRPr>
+            </a:lvl3pPr>
+            <a:lvl4pPr eaLnBrk="0" fontAlgn="base" hangingPunct="0">
+              <a:spcBef>
+                <a:spcPct val="0"/>
+              </a:spcBef>
+              <a:spcAft>
+                <a:spcPct val="0"/>
+              </a:spcAft>
+              <a:defRPr>
+                <a:solidFill>
+                  <a:schemeClr val="tx1"/>
+                </a:solidFill>
+                <a:latin typeface="Arial" panose="020B0604020202020204" pitchFamily="34" charset="0"/>
+              </a:defRPr>
+            </a:lvl4pPr>
+            <a:lvl5pPr eaLnBrk="0" fontAlgn="base" hangingPunct="0">
+              <a:spcBef>
+                <a:spcPct val="0"/>
+              </a:spcBef>
+              <a:spcAft>
+                <a:spcPct val="0"/>
+              </a:spcAft>
+              <a:defRPr>
+                <a:solidFill>
+                  <a:schemeClr val="tx1"/>
+                </a:solidFill>
+                <a:latin typeface="Arial" panose="020B0604020202020204" pitchFamily="34" charset="0"/>
+              </a:defRPr>
+            </a:lvl5pPr>
+            <a:lvl6pPr eaLnBrk="0" fontAlgn="base" hangingPunct="0">
+              <a:spcBef>
+                <a:spcPct val="0"/>
+              </a:spcBef>
+              <a:spcAft>
+                <a:spcPct val="0"/>
+              </a:spcAft>
+              <a:defRPr>
+                <a:solidFill>
+                  <a:schemeClr val="tx1"/>
+                </a:solidFill>
+                <a:latin typeface="Arial" panose="020B0604020202020204" pitchFamily="34" charset="0"/>
+              </a:defRPr>
+            </a:lvl6pPr>
+            <a:lvl7pPr eaLnBrk="0" fontAlgn="base" hangingPunct="0">
+              <a:spcBef>
+                <a:spcPct val="0"/>
+              </a:spcBef>
+              <a:spcAft>
+                <a:spcPct val="0"/>
+              </a:spcAft>
+              <a:defRPr>
+                <a:solidFill>
+                  <a:schemeClr val="tx1"/>
+                </a:solidFill>
+                <a:latin typeface="Arial" panose="020B0604020202020204" pitchFamily="34" charset="0"/>
+              </a:defRPr>
+            </a:lvl7pPr>
+            <a:lvl8pPr eaLnBrk="0" fontAlgn="base" hangingPunct="0">
+              <a:spcBef>
+                <a:spcPct val="0"/>
+              </a:spcBef>
+              <a:spcAft>
+                <a:spcPct val="0"/>
+              </a:spcAft>
+              <a:defRPr>
+                <a:solidFill>
+                  <a:schemeClr val="tx1"/>
+                </a:solidFill>
+                <a:latin typeface="Arial" panose="020B0604020202020204" pitchFamily="34" charset="0"/>
+              </a:defRPr>
+            </a:lvl8pPr>
+            <a:lvl9pPr eaLnBrk="0" fontAlgn="base" hangingPunct="0">
+              <a:spcBef>
+                <a:spcPct val="0"/>
+              </a:spcBef>
+              <a:spcAft>
+                <a:spcPct val="0"/>
+              </a:spcAft>
+              <a:defRPr>
+                <a:solidFill>
+                  <a:schemeClr val="tx1"/>
+                </a:solidFill>
+                <a:latin typeface="Arial" panose="020B0604020202020204" pitchFamily="34" charset="0"/>
+              </a:defRPr>
+            </a:lvl9pPr>
+          </a:lstStyle>
+          <a:p>
+            <a:pPr marL="0" marR="0" lvl="0" indent="0" algn="l" defTabSz="914400" rtl="0" eaLnBrk="0" fontAlgn="base" latinLnBrk="0" hangingPunct="0">
+              <a:lnSpc>
+                <a:spcPct val="100000"/>
+              </a:lnSpc>
+              <a:spcBef>
+                <a:spcPct val="0"/>
+              </a:spcBef>
+              <a:spcAft>
+                <a:spcPct val="0"/>
+              </a:spcAft>
+              <a:buClrTx/>
+              <a:buSzTx/>
+              <a:buFontTx/>
+              <a:buNone/>
+              <a:tabLst/>
+            </a:pPr>
+            <a:r>
+              <a:rPr kumimoji="0" lang="uk-UA" altLang="uk-UA" b="0" i="0" u="none" strike="noStrike" cap="none" normalizeH="0" baseline="0" dirty="0" err="1">
+                <a:ln>
+                  <a:noFill/>
+                </a:ln>
+                <a:solidFill>
+                  <a:srgbClr val="000000"/>
+                </a:solidFill>
+                <a:effectLst/>
+                <a:latin typeface="var(--code-font-family)"/>
+              </a:rPr>
+              <a:t>int</a:t>
+            </a:r>
+            <a:r>
+              <a:rPr kumimoji="0" lang="uk-UA" altLang="uk-UA" b="0" i="0" u="none" strike="noStrike" cap="none" normalizeH="0" baseline="0" dirty="0">
+                <a:ln>
+                  <a:noFill/>
+                </a:ln>
+                <a:solidFill>
+                  <a:srgbClr val="000000"/>
+                </a:solidFill>
+                <a:effectLst/>
+                <a:latin typeface="Consolas" panose="020B0609020204030204" pitchFamily="49" charset="0"/>
+              </a:rPr>
+              <a:t> </a:t>
+            </a:r>
+            <a:r>
+              <a:rPr kumimoji="0" lang="uk-UA" altLang="uk-UA" b="0" i="0" u="none" strike="noStrike" cap="none" normalizeH="0" baseline="0" dirty="0">
+                <a:ln>
+                  <a:noFill/>
+                </a:ln>
+                <a:solidFill>
+                  <a:srgbClr val="000000"/>
+                </a:solidFill>
+                <a:effectLst/>
+                <a:latin typeface="var(--code-font-family)"/>
+              </a:rPr>
+              <a:t>a = </a:t>
+            </a:r>
+            <a:r>
+              <a:rPr kumimoji="0" lang="uk-UA" altLang="uk-UA" b="0" i="0" u="none" strike="noStrike" cap="none" normalizeH="0" baseline="0" dirty="0">
+                <a:ln>
+                  <a:noFill/>
+                </a:ln>
+                <a:solidFill>
+                  <a:srgbClr val="009900"/>
+                </a:solidFill>
+                <a:effectLst/>
+                <a:latin typeface="var(--code-font-family)"/>
+              </a:rPr>
+              <a:t>258</a:t>
+            </a:r>
+            <a:r>
+              <a:rPr kumimoji="0" lang="uk-UA" altLang="uk-UA" b="0" i="0" u="none" strike="noStrike" cap="none" normalizeH="0" baseline="0" dirty="0">
+                <a:ln>
+                  <a:noFill/>
+                </a:ln>
+                <a:solidFill>
+                  <a:srgbClr val="000000"/>
+                </a:solidFill>
+                <a:effectLst/>
+                <a:latin typeface="var(--code-font-family)"/>
+              </a:rPr>
+              <a:t>;</a:t>
+            </a:r>
+            <a:endParaRPr kumimoji="0" lang="uk-UA" altLang="uk-UA" sz="1400" b="0" i="0" u="none" strike="noStrike" cap="none" normalizeH="0" baseline="0" dirty="0">
+              <a:ln>
+                <a:noFill/>
+              </a:ln>
+              <a:solidFill>
+                <a:schemeClr val="tx1"/>
+              </a:solidFill>
+              <a:effectLst/>
+            </a:endParaRPr>
+          </a:p>
+          <a:p>
+            <a:pPr marL="0" marR="0" lvl="0" indent="0" algn="l" defTabSz="914400" rtl="0" eaLnBrk="0" fontAlgn="base" latinLnBrk="0" hangingPunct="0">
+              <a:lnSpc>
+                <a:spcPct val="100000"/>
+              </a:lnSpc>
+              <a:spcBef>
+                <a:spcPct val="0"/>
+              </a:spcBef>
+              <a:spcAft>
+                <a:spcPct val="0"/>
+              </a:spcAft>
+              <a:buClrTx/>
+              <a:buSzTx/>
+              <a:buFontTx/>
+              <a:buNone/>
+              <a:tabLst/>
+            </a:pPr>
+            <a:r>
+              <a:rPr kumimoji="0" lang="uk-UA" altLang="uk-UA" b="0" i="0" u="none" strike="noStrike" cap="none" normalizeH="0" baseline="0" dirty="0" err="1">
+                <a:ln>
+                  <a:noFill/>
+                </a:ln>
+                <a:solidFill>
+                  <a:srgbClr val="000000"/>
+                </a:solidFill>
+                <a:effectLst/>
+                <a:latin typeface="var(--code-font-family)"/>
+              </a:rPr>
+              <a:t>byte</a:t>
+            </a:r>
+            <a:r>
+              <a:rPr kumimoji="0" lang="uk-UA" altLang="uk-UA" b="0" i="0" u="none" strike="noStrike" cap="none" normalizeH="0" baseline="0" dirty="0">
+                <a:ln>
+                  <a:noFill/>
+                </a:ln>
+                <a:solidFill>
+                  <a:srgbClr val="000000"/>
+                </a:solidFill>
+                <a:effectLst/>
+                <a:latin typeface="Consolas" panose="020B0609020204030204" pitchFamily="49" charset="0"/>
+              </a:rPr>
+              <a:t> </a:t>
+            </a:r>
+            <a:r>
+              <a:rPr kumimoji="0" lang="uk-UA" altLang="uk-UA" b="0" i="0" u="none" strike="noStrike" cap="none" normalizeH="0" baseline="0" dirty="0">
+                <a:ln>
+                  <a:noFill/>
+                </a:ln>
+                <a:solidFill>
+                  <a:srgbClr val="000000"/>
+                </a:solidFill>
+                <a:effectLst/>
+                <a:latin typeface="var(--code-font-family)"/>
+              </a:rPr>
+              <a:t>b = (</a:t>
+            </a:r>
+            <a:r>
+              <a:rPr kumimoji="0" lang="uk-UA" altLang="uk-UA" b="0" i="0" u="none" strike="noStrike" cap="none" normalizeH="0" baseline="0" dirty="0" err="1">
+                <a:ln>
+                  <a:noFill/>
+                </a:ln>
+                <a:solidFill>
+                  <a:srgbClr val="000000"/>
+                </a:solidFill>
+                <a:effectLst/>
+                <a:latin typeface="var(--code-font-family)"/>
+              </a:rPr>
+              <a:t>byte</a:t>
+            </a:r>
+            <a:r>
+              <a:rPr kumimoji="0" lang="uk-UA" altLang="uk-UA" b="0" i="0" u="none" strike="noStrike" cap="none" normalizeH="0" baseline="0" dirty="0">
+                <a:ln>
+                  <a:noFill/>
+                </a:ln>
+                <a:solidFill>
+                  <a:srgbClr val="000000"/>
+                </a:solidFill>
+                <a:effectLst/>
+                <a:latin typeface="var(--code-font-family)"/>
+              </a:rPr>
+              <a:t>) a;</a:t>
+            </a:r>
+            <a:endParaRPr kumimoji="0" lang="uk-UA" altLang="uk-UA" sz="1400" b="0" i="0" u="none" strike="noStrike" cap="none" normalizeH="0" baseline="0" dirty="0">
+              <a:ln>
+                <a:noFill/>
+              </a:ln>
+              <a:solidFill>
+                <a:schemeClr val="tx1"/>
+              </a:solidFill>
+              <a:effectLst/>
+            </a:endParaRPr>
+          </a:p>
+          <a:p>
+            <a:pPr marL="0" marR="0" lvl="0" indent="0" algn="l" defTabSz="914400" rtl="0" eaLnBrk="0" fontAlgn="base" latinLnBrk="0" hangingPunct="0">
+              <a:lnSpc>
+                <a:spcPct val="100000"/>
+              </a:lnSpc>
+              <a:spcBef>
+                <a:spcPct val="0"/>
+              </a:spcBef>
+              <a:spcAft>
+                <a:spcPct val="0"/>
+              </a:spcAft>
+              <a:buClrTx/>
+              <a:buSzTx/>
+              <a:buFontTx/>
+              <a:buNone/>
+              <a:tabLst/>
+            </a:pPr>
+            <a:r>
+              <a:rPr kumimoji="0" lang="uk-UA" altLang="uk-UA" b="0" i="0" u="none" strike="noStrike" cap="none" normalizeH="0" baseline="0" dirty="0" err="1">
+                <a:ln>
+                  <a:noFill/>
+                </a:ln>
+                <a:solidFill>
+                  <a:srgbClr val="000000"/>
+                </a:solidFill>
+                <a:effectLst/>
+                <a:latin typeface="var(--code-font-family)"/>
+              </a:rPr>
+              <a:t>System.out.println</a:t>
+            </a:r>
+            <a:r>
+              <a:rPr kumimoji="0" lang="uk-UA" altLang="uk-UA" b="0" i="0" u="none" strike="noStrike" cap="none" normalizeH="0" baseline="0" dirty="0">
+                <a:ln>
+                  <a:noFill/>
+                </a:ln>
+                <a:solidFill>
+                  <a:srgbClr val="000000"/>
+                </a:solidFill>
+                <a:effectLst/>
+                <a:latin typeface="var(--code-font-family)"/>
+              </a:rPr>
+              <a:t>(b);      // 2</a:t>
+            </a:r>
+            <a:endParaRPr kumimoji="0" lang="uk-UA" altLang="uk-UA" sz="4000" b="0" i="0" u="none" strike="noStrike" cap="none" normalizeH="0" baseline="0" dirty="0">
+              <a:ln>
+                <a:noFill/>
+              </a:ln>
+              <a:solidFill>
+                <a:schemeClr val="tx1"/>
+              </a:solidFill>
+              <a:effectLst/>
+              <a:latin typeface="Arial" panose="020B0604020202020204" pitchFamily="34" charset="0"/>
+            </a:endParaRPr>
+          </a:p>
+        </p:txBody>
+      </p:sp>
+      <p:sp>
+        <p:nvSpPr>
+          <p:cNvPr id="9" name="TextBox 8">
+            <a:extLst>
+              <a:ext uri="{FF2B5EF4-FFF2-40B4-BE49-F238E27FC236}">
+                <a16:creationId xmlns:a16="http://schemas.microsoft.com/office/drawing/2014/main" id="{1B59DE9B-2ACC-4FEB-8355-3A4EB11243BA}"/>
+              </a:ext>
+            </a:extLst>
+          </p:cNvPr>
+          <p:cNvSpPr txBox="1"/>
+          <p:nvPr/>
+        </p:nvSpPr>
+        <p:spPr>
+          <a:xfrm>
+            <a:off x="5202811" y="4587135"/>
+            <a:ext cx="6224833" cy="1477328"/>
+          </a:xfrm>
+          <a:prstGeom prst="rect">
+            <a:avLst/>
+          </a:prstGeom>
+          <a:noFill/>
+        </p:spPr>
+        <p:txBody>
+          <a:bodyPr wrap="square" rtlCol="0">
+            <a:spAutoFit/>
+          </a:bodyPr>
+          <a:lstStyle/>
+          <a:p>
+            <a:r>
+              <a:rPr lang="uk-UA" b="1" dirty="0"/>
+              <a:t>Число </a:t>
+            </a:r>
+            <a:r>
+              <a:rPr lang="en-US" b="1" dirty="0"/>
+              <a:t>a, </a:t>
+            </a:r>
+            <a:r>
+              <a:rPr lang="uk-UA" b="1" dirty="0"/>
+              <a:t>яке дорівнює 258, у двійковому системі буде дорівнює 00000000 00000000 00000001 00000010. Значення типу </a:t>
+            </a:r>
+            <a:r>
+              <a:rPr lang="en-US" b="1" dirty="0"/>
+              <a:t>byte </a:t>
+            </a:r>
+            <a:r>
+              <a:rPr lang="uk-UA" b="1" dirty="0"/>
+              <a:t>займають у пам'яті лише 8 біт. Тому двійкове уявлення числа </a:t>
+            </a:r>
+            <a:r>
+              <a:rPr lang="en-US" b="1" dirty="0"/>
+              <a:t>int </a:t>
+            </a:r>
+            <a:r>
+              <a:rPr lang="uk-UA" b="1" dirty="0" err="1"/>
+              <a:t>усікається</a:t>
+            </a:r>
+            <a:r>
+              <a:rPr lang="uk-UA" b="1" dirty="0"/>
+              <a:t> до 8 правих розрядів, тобто 00000010, що у десятковій системі дає число 2.</a:t>
+            </a:r>
+          </a:p>
+        </p:txBody>
+      </p:sp>
+      <p:sp>
+        <p:nvSpPr>
+          <p:cNvPr id="10" name="TextBox 9">
+            <a:extLst>
+              <a:ext uri="{FF2B5EF4-FFF2-40B4-BE49-F238E27FC236}">
+                <a16:creationId xmlns:a16="http://schemas.microsoft.com/office/drawing/2014/main" id="{67C2FDB3-F11E-4DED-929F-374BEF5CB356}"/>
+              </a:ext>
+            </a:extLst>
+          </p:cNvPr>
+          <p:cNvSpPr txBox="1"/>
+          <p:nvPr/>
+        </p:nvSpPr>
+        <p:spPr>
+          <a:xfrm>
+            <a:off x="294588" y="4587135"/>
+            <a:ext cx="3582186" cy="2031325"/>
+          </a:xfrm>
+          <a:prstGeom prst="rect">
+            <a:avLst/>
+          </a:prstGeom>
+          <a:noFill/>
+        </p:spPr>
+        <p:txBody>
+          <a:bodyPr wrap="square" rtlCol="0">
+            <a:spAutoFit/>
+          </a:bodyPr>
+          <a:lstStyle/>
+          <a:p>
+            <a:r>
+              <a:rPr lang="uk-UA" b="1" dirty="0"/>
+              <a:t>Результатом буде число 2. У цьому випадку число 258 поза діапазоном типу </a:t>
+            </a:r>
+            <a:r>
+              <a:rPr lang="en-US" b="1" dirty="0"/>
+              <a:t>byte (</a:t>
+            </a:r>
+            <a:r>
+              <a:rPr lang="uk-UA" b="1" dirty="0"/>
+              <a:t>від -128 до 127), тому відбудеться усічення значення. Чому результатом буде саме число 2?</a:t>
+            </a:r>
+          </a:p>
+          <a:p>
+            <a:endParaRPr lang="uk-UA" dirty="0"/>
+          </a:p>
+        </p:txBody>
+      </p:sp>
+    </p:spTree>
+    <p:extLst>
+      <p:ext uri="{BB962C8B-B14F-4D97-AF65-F5344CB8AC3E}">
+        <p14:creationId xmlns:p14="http://schemas.microsoft.com/office/powerpoint/2010/main" val="2823546307"/>
+      </p:ext>
+    </p:extLst>
+  </p:cSld>
+  <p:clrMapOvr>
+    <a:masterClrMapping/>
+  </p:clrMapOvr>
+</p:sld>
+</file>
+
 <file path=ppt/slides/slide2.xml><?xml version="1.0" encoding="utf-8"?>
 <p:sld xmlns:a="http://schemas.openxmlformats.org/drawingml/2006/main" xmlns:r="http://schemas.openxmlformats.org/officeDocument/2006/relationships" xmlns:p="http://schemas.openxmlformats.org/presentationml/2006/main">
   <p:cSld>
